--- a/study001/교육자료/java.pptx
+++ b/study001/교육자료/java.pptx
@@ -2,7 +2,7 @@
 <file path=ppt/presentation.xml><?xml version="1.0" encoding="utf-8"?>
 <p:presentation xmlns:r="http://schemas.openxmlformats.org/officeDocument/2006/relationships" xmlns:c="http://schemas.openxmlformats.org/drawingml/2006/chart" xmlns:a="http://schemas.openxmlformats.org/drawingml/2006/main" xmlns:dgm="http://schemas.openxmlformats.org/drawingml/2006/diagram" xmlns:dsp="http://schemas.microsoft.com/office/drawing/2008/diagram" xmlns:p="http://schemas.openxmlformats.org/presentationml/2006/main">
   <p:sldMasterIdLst>
-    <p:sldMasterId id="2147483996" r:id="rId1"/>
+    <p:sldMasterId id="2147483963" r:id="rId1"/>
   </p:sldMasterIdLst>
   <p:notesMasterIdLst>
     <p:notesMasterId r:id="rId2"/>
@@ -16,6 +16,7 @@
     <p:sldId id="265" r:id="rId8"/>
     <p:sldId id="266" r:id="rId9"/>
     <p:sldId id="267" r:id="rId10"/>
+    <p:sldId id="268" r:id="rId11"/>
   </p:sldIdLst>
   <p:sldSz cx="12192000" cy="6858000"/>
   <p:notesSz cx="6858000" cy="9144000"/>
@@ -127,6 +128,7 @@
             <p14:sldId id="265"/>
             <p14:sldId id="266"/>
             <p14:sldId id="267"/>
+            <p14:sldId id="268"/>
           </p14:sldIdLst>
         </p14:section>
       </p14:sectionLst>
@@ -236,7 +238,7 @@
               <a:pPr lvl="0">
                 <a:defRPr/>
               </a:pPr>
-              <a:t>2024-05-09</a:t>
+              <a:t>2024-05-10</a:t>
             </a:fld>
             <a:endParaRPr lang="ko-KR" altLang="en-US"/>
           </a:p>
@@ -12423,8 +12425,8 @@
           <p:nvPr/>
         </p:nvGraphicFramePr>
         <p:xfrm>
-          <a:off x="0" y="1968499"/>
-          <a:ext cx="12191576" cy="5278120"/>
+          <a:off x="0" y="1980565"/>
+          <a:ext cx="12196868" cy="4877435"/>
         </p:xfrm>
         <a:graphic>
           <a:graphicData uri="http://schemas.openxmlformats.org/drawingml/2006/table">
@@ -12435,10 +12437,10 @@
               <a:tblGrid>
                 <a:gridCol w="1248834"/>
                 <a:gridCol w="4850130"/>
-                <a:gridCol w="1185332"/>
+                <a:gridCol w="1190625"/>
                 <a:gridCol w="4907279"/>
               </a:tblGrid>
-              <a:tr h="977900">
+              <a:tr h="515002">
                 <a:tc gridSpan="2">
                   <a:txBody>
                     <a:bodyPr vert="horz" wrap="square" lIns="91440" tIns="45720" rIns="91440" bIns="45720" anchor="ctr" anchorCtr="0">
@@ -12454,7 +12456,7 @@
                             <a:srgbClr val="000000"/>
                           </a:solidFill>
                         </a:rPr>
-                        <a:t>외부 구요소 </a:t>
+                        <a:t>외부 구성요소 </a:t>
                       </a:r>
                       <a:r>
                         <a:rPr lang="en-US" altLang="ko-KR">
@@ -12521,7 +12523,7 @@
                         <a:defRPr/>
                       </a:pPr>
                       <a:r>
-                        <a:rPr lang="ko-KR" altLang="en-US">
+                        <a:rPr lang="ko-KR" altLang="en-US" sz="1800">
                           <a:solidFill>
                             <a:srgbClr val="000000"/>
                           </a:solidFill>
@@ -12529,7 +12531,7 @@
                         <a:t>내부 구성요소 </a:t>
                       </a:r>
                       <a:r>
-                        <a:rPr lang="en-US" altLang="ko-KR">
+                        <a:rPr lang="en-US" altLang="ko-KR" sz="1800">
                           <a:solidFill>
                             <a:srgbClr val="000000"/>
                           </a:solidFill>
@@ -12537,7 +12539,7 @@
                         <a:t>:</a:t>
                       </a:r>
                       <a:r>
-                        <a:rPr lang="ko-KR" altLang="en-US">
+                        <a:rPr lang="ko-KR" altLang="en-US" sz="1800">
                           <a:solidFill>
                             <a:srgbClr val="000000"/>
                           </a:solidFill>
@@ -12545,7 +12547,7 @@
                         <a:t> </a:t>
                       </a:r>
                       <a:r>
-                        <a:rPr lang="en-US" altLang="ko-KR">
+                        <a:rPr lang="en-US" altLang="ko-KR" sz="1800">
                           <a:solidFill>
                             <a:srgbClr val="000000"/>
                           </a:solidFill>
@@ -12553,17 +12555,124 @@
                         <a:t>4</a:t>
                       </a:r>
                       <a:r>
-                        <a:rPr lang="ko-KR" altLang="en-US">
+                        <a:rPr lang="ko-KR" altLang="en-US" sz="1800">
                           <a:solidFill>
                             <a:srgbClr val="000000"/>
                           </a:solidFill>
                         </a:rPr>
-                        <a:t>가지</a:t>
-                      </a:r>
-                      <a:endParaRPr lang="ko-KR" altLang="en-US">
+                        <a:t>가지 </a:t>
+                      </a:r>
+                      <a:br>
+                        <a:rPr lang="ko-KR" altLang="en-US" sz="1800">
+                          <a:solidFill>
+                            <a:srgbClr val="000000"/>
+                          </a:solidFill>
+                        </a:rPr>
+                      </a:br>
+                      <a:r>
+                        <a:rPr lang="ko-KR" altLang="en-US" sz="1400">
+                          <a:solidFill>
+                            <a:srgbClr val="000000"/>
+                          </a:solidFill>
+                        </a:rPr>
+                        <a:t>클래스의 멤버</a:t>
+                      </a:r>
+                      <a:r>
+                        <a:rPr lang="ko-KR" altLang="en-US" sz="1400" b="0">
+                          <a:solidFill>
+                            <a:srgbClr val="000000"/>
+                          </a:solidFill>
+                        </a:rPr>
+                        <a:t> </a:t>
+                      </a:r>
+                      <a:r>
+                        <a:rPr lang="en-US" altLang="ko-KR" sz="1400" b="0">
+                          <a:solidFill>
+                            <a:srgbClr val="000000"/>
+                          </a:solidFill>
+                        </a:rPr>
+                        <a:t>:</a:t>
+                      </a:r>
+                      <a:r>
+                        <a:rPr lang="ko-KR" altLang="en-US" sz="1400" b="0">
+                          <a:solidFill>
+                            <a:srgbClr val="000000"/>
+                          </a:solidFill>
+                        </a:rPr>
+                        <a:t> </a:t>
+                      </a:r>
+                      <a:r>
+                        <a:rPr lang="ko-KR" altLang="en-US" sz="1400" b="0">
+                          <a:solidFill>
+                            <a:srgbClr val="000000"/>
+                          </a:solidFill>
+                          <a:highlight>
+                            <a:srgbClr val="ffff00"/>
+                          </a:highlight>
+                        </a:rPr>
+                        <a:t>필드</a:t>
+                      </a:r>
+                      <a:r>
+                        <a:rPr lang="en-US" altLang="ko-KR" sz="1400" b="0">
+                          <a:solidFill>
+                            <a:srgbClr val="000000"/>
+                          </a:solidFill>
+                        </a:rPr>
+                        <a:t>,</a:t>
+                      </a:r>
+                      <a:r>
+                        <a:rPr lang="ko-KR" altLang="en-US" sz="1400" b="0">
+                          <a:solidFill>
+                            <a:srgbClr val="000000"/>
+                          </a:solidFill>
+                        </a:rPr>
+                        <a:t> </a:t>
+                      </a:r>
+                      <a:r>
+                        <a:rPr lang="ko-KR" altLang="en-US" sz="1400" b="0">
+                          <a:solidFill>
+                            <a:srgbClr val="000000"/>
+                          </a:solidFill>
+                          <a:highlight>
+                            <a:srgbClr val="ffff00"/>
+                          </a:highlight>
+                        </a:rPr>
+                        <a:t>메서드</a:t>
+                      </a:r>
+                      <a:r>
+                        <a:rPr lang="en-US" altLang="ko-KR" sz="1400" b="0">
+                          <a:solidFill>
+                            <a:srgbClr val="000000"/>
+                          </a:solidFill>
+                        </a:rPr>
+                        <a:t>,</a:t>
+                      </a:r>
+                      <a:r>
+                        <a:rPr lang="ko-KR" altLang="en-US" sz="1400" b="0">
+                          <a:solidFill>
+                            <a:srgbClr val="000000"/>
+                          </a:solidFill>
+                        </a:rPr>
+                        <a:t> </a:t>
+                      </a:r>
+                      <a:r>
+                        <a:rPr lang="ko-KR" altLang="en-US" sz="1400" b="0">
+                          <a:solidFill>
+                            <a:srgbClr val="000000"/>
+                          </a:solidFill>
+                          <a:highlight>
+                            <a:srgbClr val="ffff00"/>
+                          </a:highlight>
+                        </a:rPr>
+                        <a:t>이너클래스</a:t>
+                      </a:r>
+                      <a:endParaRPr lang="ko-KR" altLang="en-US" sz="1400" b="0">
                         <a:solidFill>
                           <a:srgbClr val="000000"/>
                         </a:solidFill>
+                        <a:highlight>
+                          <a:srgbClr val="ffff00"/>
+                        </a:highlight>
                       </a:endParaRPr>
                     </a:p>
                   </a:txBody>
@@ -12629,7 +12738,7 @@
                             <a:srgbClr val="000000"/>
                           </a:solidFill>
                         </a:rPr>
-                        <a:t>프로젝트르 생성할 때 패키지를 지정했다면 이 구성 요소에 패키지 명이 포함 되며</a:t>
+                        <a:t>프로젝트를 생성할 때 패키지를 지정했다면 이 구성 요소에 패키지 명이 포함 되며</a:t>
                       </a:r>
                       <a:r>
                         <a:rPr lang="en-US" altLang="ko-KR" sz="1300">
@@ -12726,8 +12835,217 @@
                           <a:solidFill>
                             <a:srgbClr val="000000"/>
                           </a:solidFill>
+                          <a:highlight>
+                            <a:srgbClr val="ffff00"/>
+                          </a:highlight>
                         </a:rPr>
                         <a:t>필드</a:t>
+                      </a:r>
+                      <a:endParaRPr lang="ko-KR" altLang="en-US" sz="1400" b="1">
+                        <a:solidFill>
+                          <a:srgbClr val="000000"/>
+                        </a:solidFill>
+                        <a:highlight>
+                          <a:srgbClr val="ffff00"/>
+                        </a:highlight>
+                      </a:endParaRPr>
+                    </a:p>
+                  </a:txBody>
+                  <a:tcPr marL="91440" marR="91440" anchor="ctr"/>
+                </a:tc>
+                <a:tc>
+                  <a:txBody>
+                    <a:bodyPr vert="horz" wrap="square" lIns="91440" tIns="45720" rIns="91440" bIns="45720" anchor="ctr" anchorCtr="0">
+                      <a:spAutoFit/>
+                    </a:bodyPr>
+                    <a:p>
+                      <a:pPr>
+                        <a:lnSpc>
+                          <a:spcPct val="150000"/>
+                        </a:lnSpc>
+                        <a:defRPr/>
+                      </a:pPr>
+                      <a:r>
+                        <a:rPr lang="ko-KR" altLang="en-US" sz="1300" b="1">
+                          <a:solidFill>
+                            <a:srgbClr val="b21010"/>
+                          </a:solidFill>
+                        </a:rPr>
+                        <a:t>클래스의 특징</a:t>
+                      </a:r>
+                      <a:r>
+                        <a:rPr lang="en-US" altLang="ko-KR" sz="1300" b="1">
+                          <a:solidFill>
+                            <a:srgbClr val="b21010"/>
+                          </a:solidFill>
+                        </a:rPr>
+                        <a:t>(</a:t>
+                      </a:r>
+                      <a:r>
+                        <a:rPr lang="ko-KR" altLang="en-US" sz="1300" b="1">
+                          <a:solidFill>
+                            <a:srgbClr val="b21010"/>
+                          </a:solidFill>
+                        </a:rPr>
+                        <a:t>속성</a:t>
+                      </a:r>
+                      <a:r>
+                        <a:rPr lang="en-US" altLang="ko-KR" sz="1300" b="1">
+                          <a:solidFill>
+                            <a:srgbClr val="b21010"/>
+                          </a:solidFill>
+                        </a:rPr>
+                        <a:t>)</a:t>
+                      </a:r>
+                      <a:r>
+                        <a:rPr lang="ko-KR" altLang="en-US" sz="1300" b="1">
+                          <a:solidFill>
+                            <a:srgbClr val="b21010"/>
+                          </a:solidFill>
+                        </a:rPr>
+                        <a:t>을 나타내는 변수</a:t>
+                      </a:r>
+                      <a:r>
+                        <a:rPr lang="en-US" altLang="ko-KR" sz="1300" b="1">
+                          <a:solidFill>
+                            <a:srgbClr val="b21010"/>
+                          </a:solidFill>
+                        </a:rPr>
+                        <a:t>.</a:t>
+                      </a:r>
+                      <a:endParaRPr lang="en-US" altLang="ko-KR" sz="1300" b="1">
+                        <a:solidFill>
+                          <a:srgbClr val="b21010"/>
+                        </a:solidFill>
+                      </a:endParaRPr>
+                    </a:p>
+                    <a:p>
+                      <a:pPr>
+                        <a:lnSpc>
+                          <a:spcPct val="150000"/>
+                        </a:lnSpc>
+                        <a:defRPr/>
+                      </a:pPr>
+                      <a:r>
+                        <a:rPr lang="ko-KR" altLang="en-US" sz="1300">
+                          <a:solidFill>
+                            <a:srgbClr val="000000"/>
+                          </a:solidFill>
+                        </a:rPr>
+                        <a:t>만일 클래스가 한 사람에 관련된 정보를 담고 있다면</a:t>
+                      </a:r>
+                      <a:r>
+                        <a:rPr lang="en-US" altLang="ko-KR" sz="1300">
+                          <a:solidFill>
+                            <a:srgbClr val="000000"/>
+                          </a:solidFill>
+                        </a:rPr>
+                        <a:t>,</a:t>
+                      </a:r>
+                      <a:endParaRPr lang="en-US" altLang="ko-KR" sz="1300">
+                        <a:solidFill>
+                          <a:srgbClr val="000000"/>
+                        </a:solidFill>
+                      </a:endParaRPr>
+                    </a:p>
+                    <a:p>
+                      <a:pPr>
+                        <a:lnSpc>
+                          <a:spcPct val="150000"/>
+                        </a:lnSpc>
+                        <a:defRPr/>
+                      </a:pPr>
+                      <a:r>
+                        <a:rPr lang="ko-KR" altLang="en-US" sz="1300">
+                          <a:solidFill>
+                            <a:srgbClr val="000000"/>
+                          </a:solidFill>
+                        </a:rPr>
+                        <a:t>필드값으로 나이</a:t>
+                      </a:r>
+                      <a:r>
+                        <a:rPr lang="en-US" altLang="ko-KR" sz="1300">
+                          <a:solidFill>
+                            <a:srgbClr val="000000"/>
+                          </a:solidFill>
+                        </a:rPr>
+                        <a:t>(</a:t>
+                      </a:r>
+                      <a:r>
+                        <a:rPr lang="ko-KR" altLang="en-US" sz="1300">
+                          <a:solidFill>
+                            <a:srgbClr val="000000"/>
+                          </a:solidFill>
+                        </a:rPr>
+                        <a:t> </a:t>
+                      </a:r>
+                      <a:r>
+                        <a:rPr lang="en-US" altLang="ko-KR" sz="1300">
+                          <a:solidFill>
+                            <a:srgbClr val="000000"/>
+                          </a:solidFill>
+                        </a:rPr>
+                        <a:t>int age = 20;</a:t>
+                      </a:r>
+                      <a:r>
+                        <a:rPr lang="ko-KR" altLang="en-US" sz="1300">
+                          <a:solidFill>
+                            <a:srgbClr val="000000"/>
+                          </a:solidFill>
+                        </a:rPr>
+                        <a:t> </a:t>
+                      </a:r>
+                      <a:r>
+                        <a:rPr lang="en-US" altLang="ko-KR" sz="1300">
+                          <a:solidFill>
+                            <a:srgbClr val="000000"/>
+                          </a:solidFill>
+                        </a:rPr>
+                        <a:t>)</a:t>
+                      </a:r>
+                      <a:r>
+                        <a:rPr lang="ko-KR" altLang="en-US" sz="1300">
+                          <a:solidFill>
+                            <a:srgbClr val="000000"/>
+                          </a:solidFill>
+                        </a:rPr>
+                        <a:t> 등이 포함될 수 있다</a:t>
+                      </a:r>
+                      <a:r>
+                        <a:rPr lang="en-US" altLang="ko-KR" sz="1300">
+                          <a:solidFill>
+                            <a:srgbClr val="000000"/>
+                          </a:solidFill>
+                        </a:rPr>
+                        <a:t>.</a:t>
+                      </a:r>
+                      <a:endParaRPr lang="en-US" altLang="ko-KR" sz="1300">
+                        <a:solidFill>
+                          <a:srgbClr val="000000"/>
+                        </a:solidFill>
+                      </a:endParaRPr>
+                    </a:p>
+                  </a:txBody>
+                  <a:tcPr marL="91440" marR="91440" anchor="ctr"/>
+                </a:tc>
+              </a:tr>
+              <a:tr h="977900">
+                <a:tc>
+                  <a:txBody>
+                    <a:bodyPr vert="horz" wrap="square" lIns="91440" tIns="45720" rIns="91440" bIns="45720" anchor="ctr" anchorCtr="0">
+                      <a:spAutoFit/>
+                    </a:bodyPr>
+                    <a:p>
+                      <a:pPr algn="ctr">
+                        <a:defRPr/>
+                      </a:pPr>
+                      <a:r>
+                        <a:rPr lang="ko-KR" altLang="en-US" sz="1400" b="1">
+                          <a:solidFill>
+                            <a:srgbClr val="000000"/>
+                          </a:solidFill>
+                        </a:rPr>
+                        <a:t>임포트</a:t>
                       </a:r>
                       <a:endParaRPr lang="ko-KR" altLang="en-US" sz="1400" b="1">
                         <a:solidFill>
@@ -12756,209 +13074,6 @@
                             <a:srgbClr val="b21010"/>
                           </a:solidFill>
                         </a:rPr>
-                        <a:t>클래스의 특징</a:t>
-                      </a:r>
-                      <a:r>
-                        <a:rPr lang="en-US" altLang="ko-KR" sz="1300" b="1">
-                          <a:solidFill>
-                            <a:srgbClr val="b21010"/>
-                          </a:solidFill>
-                        </a:rPr>
-                        <a:t>(</a:t>
-                      </a:r>
-                      <a:r>
-                        <a:rPr lang="ko-KR" altLang="en-US" sz="1300" b="1">
-                          <a:solidFill>
-                            <a:srgbClr val="b21010"/>
-                          </a:solidFill>
-                        </a:rPr>
-                        <a:t>속성</a:t>
-                      </a:r>
-                      <a:r>
-                        <a:rPr lang="en-US" altLang="ko-KR" sz="1300" b="1">
-                          <a:solidFill>
-                            <a:srgbClr val="b21010"/>
-                          </a:solidFill>
-                        </a:rPr>
-                        <a:t>)</a:t>
-                      </a:r>
-                      <a:r>
-                        <a:rPr lang="ko-KR" altLang="en-US" sz="1300" b="1">
-                          <a:solidFill>
-                            <a:srgbClr val="b21010"/>
-                          </a:solidFill>
-                        </a:rPr>
-                        <a:t>을 나타내는 변수</a:t>
-                      </a:r>
-                      <a:r>
-                        <a:rPr lang="en-US" altLang="ko-KR" sz="1300" b="1">
-                          <a:solidFill>
-                            <a:srgbClr val="b21010"/>
-                          </a:solidFill>
-                        </a:rPr>
-                        <a:t>.</a:t>
-                      </a:r>
-                      <a:endParaRPr lang="en-US" altLang="ko-KR" sz="1300">
-                        <a:solidFill>
-                          <a:srgbClr val="000000"/>
-                        </a:solidFill>
-                      </a:endParaRPr>
-                    </a:p>
-                    <a:p>
-                      <a:pPr>
-                        <a:lnSpc>
-                          <a:spcPct val="150000"/>
-                        </a:lnSpc>
-                        <a:defRPr/>
-                      </a:pPr>
-                      <a:r>
-                        <a:rPr lang="ko-KR" altLang="en-US" sz="1300">
-                          <a:solidFill>
-                            <a:srgbClr val="000000"/>
-                          </a:solidFill>
-                        </a:rPr>
-                        <a:t>만일 클래스가 한 사람에 관련된 정보를 담고 있다면</a:t>
-                      </a:r>
-                      <a:r>
-                        <a:rPr lang="en-US" altLang="ko-KR" sz="1300">
-                          <a:solidFill>
-                            <a:srgbClr val="000000"/>
-                          </a:solidFill>
-                        </a:rPr>
-                        <a:t>,</a:t>
-                      </a:r>
-                      <a:endParaRPr lang="en-US" altLang="ko-KR" sz="1300">
-                        <a:solidFill>
-                          <a:srgbClr val="000000"/>
-                        </a:solidFill>
-                      </a:endParaRPr>
-                    </a:p>
-                    <a:p>
-                      <a:pPr>
-                        <a:lnSpc>
-                          <a:spcPct val="150000"/>
-                        </a:lnSpc>
-                        <a:defRPr/>
-                      </a:pPr>
-                      <a:r>
-                        <a:rPr lang="ko-KR" altLang="en-US" sz="1300">
-                          <a:solidFill>
-                            <a:srgbClr val="000000"/>
-                          </a:solidFill>
-                        </a:rPr>
-                        <a:t>필드값으로 나이</a:t>
-                      </a:r>
-                      <a:r>
-                        <a:rPr lang="en-US" altLang="ko-KR" sz="1300">
-                          <a:solidFill>
-                            <a:srgbClr val="000000"/>
-                          </a:solidFill>
-                        </a:rPr>
-                        <a:t>(</a:t>
-                      </a:r>
-                      <a:r>
-                        <a:rPr lang="ko-KR" altLang="en-US" sz="1300">
-                          <a:solidFill>
-                            <a:srgbClr val="000000"/>
-                          </a:solidFill>
-                        </a:rPr>
-                        <a:t> </a:t>
-                      </a:r>
-                      <a:r>
-                        <a:rPr lang="en-US" altLang="ko-KR" sz="1300">
-                          <a:solidFill>
-                            <a:srgbClr val="000000"/>
-                          </a:solidFill>
-                        </a:rPr>
-                        <a:t>int age = 20;</a:t>
-                      </a:r>
-                      <a:r>
-                        <a:rPr lang="ko-KR" altLang="en-US" sz="1300">
-                          <a:solidFill>
-                            <a:srgbClr val="000000"/>
-                          </a:solidFill>
-                        </a:rPr>
-                        <a:t> </a:t>
-                      </a:r>
-                      <a:r>
-                        <a:rPr lang="en-US" altLang="ko-KR" sz="1300">
-                          <a:solidFill>
-                            <a:srgbClr val="000000"/>
-                          </a:solidFill>
-                        </a:rPr>
-                        <a:t>)</a:t>
-                      </a:r>
-                      <a:r>
-                        <a:rPr lang="ko-KR" altLang="en-US" sz="1300">
-                          <a:solidFill>
-                            <a:srgbClr val="000000"/>
-                          </a:solidFill>
-                        </a:rPr>
-                        <a:t> 등이 포함될 수 있다</a:t>
-                      </a:r>
-                      <a:r>
-                        <a:rPr lang="en-US" altLang="ko-KR" sz="1300">
-                          <a:solidFill>
-                            <a:srgbClr val="000000"/>
-                          </a:solidFill>
-                        </a:rPr>
-                        <a:t>.</a:t>
-                      </a:r>
-                      <a:endParaRPr lang="en-US" altLang="ko-KR" sz="1300">
-                        <a:solidFill>
-                          <a:srgbClr val="000000"/>
-                        </a:solidFill>
-                      </a:endParaRPr>
-                    </a:p>
-                  </a:txBody>
-                  <a:tcPr marL="91440" marR="91440" anchor="ctr"/>
-                </a:tc>
-              </a:tr>
-              <a:tr h="977900">
-                <a:tc>
-                  <a:txBody>
-                    <a:bodyPr vert="horz" wrap="square" lIns="91440" tIns="45720" rIns="91440" bIns="45720" anchor="ctr" anchorCtr="0">
-                      <a:spAutoFit/>
-                    </a:bodyPr>
-                    <a:p>
-                      <a:pPr algn="ctr">
-                        <a:defRPr/>
-                      </a:pPr>
-                      <a:r>
-                        <a:rPr lang="ko-KR" altLang="en-US" sz="1400" b="1">
-                          <a:solidFill>
-                            <a:srgbClr val="000000"/>
-                          </a:solidFill>
-                        </a:rPr>
-                        <a:t>임포트</a:t>
-                      </a:r>
-                      <a:endParaRPr lang="ko-KR" altLang="en-US" sz="1400" b="1">
-                        <a:solidFill>
-                          <a:srgbClr val="000000"/>
-                        </a:solidFill>
-                      </a:endParaRPr>
-                    </a:p>
-                  </a:txBody>
-                  <a:tcPr marL="91440" marR="91440" anchor="ctr"/>
-                </a:tc>
-                <a:tc>
-                  <a:txBody>
-                    <a:bodyPr vert="horz" wrap="square" lIns="91440" tIns="45720" rIns="91440" bIns="45720" anchor="ctr" anchorCtr="0">
-                      <a:spAutoFit/>
-                    </a:bodyPr>
-                    <a:p>
-                      <a:pPr>
-                        <a:lnSpc>
-                          <a:spcPct val="150000"/>
-                        </a:lnSpc>
-                        <a:defRPr/>
-                      </a:pPr>
-                      <a:r>
-                        <a:rPr lang="ko-KR" altLang="en-US" sz="1300" b="1">
-                          <a:solidFill>
-                            <a:srgbClr val="b21010"/>
-                          </a:solidFill>
-                        </a:rPr>
                         <a:t>다른 패키지의 클래스를 사용하고자 할 때</a:t>
                       </a:r>
                       <a:r>
@@ -13039,6 +13154,9 @@
                           <a:solidFill>
                             <a:srgbClr val="000000"/>
                           </a:solidFill>
+                          <a:highlight>
+                            <a:srgbClr val="ffff00"/>
+                          </a:highlight>
                         </a:rPr>
                         <a:t>메서드</a:t>
                       </a:r>
@@ -13046,6 +13164,9 @@
                         <a:solidFill>
                           <a:srgbClr val="000000"/>
                         </a:solidFill>
+                        <a:highlight>
+                          <a:srgbClr val="ffff00"/>
+                        </a:highlight>
                       </a:endParaRPr>
                     </a:p>
                   </a:txBody>
@@ -13151,9 +13272,9 @@
                         </a:rPr>
                         <a:t>동작</a:t>
                       </a:r>
-                      <a:endParaRPr lang="ko-KR" altLang="en-US" sz="1300">
+                      <a:endParaRPr lang="ko-KR" altLang="en-US" sz="1600" b="1">
                         <a:solidFill>
-                          <a:srgbClr val="000000"/>
+                          <a:srgbClr val="b21010"/>
                         </a:solidFill>
                       </a:endParaRPr>
                     </a:p>
@@ -13180,7 +13301,7 @@
                         </a:rPr>
                         <a:t>( void working() {...} )</a:t>
                       </a:r>
-                      <a:endParaRPr lang="ko-KR" altLang="en-US" sz="1300">
+                      <a:endParaRPr lang="en-US" altLang="ko-KR" sz="1300">
                         <a:solidFill>
                           <a:srgbClr val="000000"/>
                         </a:solidFill>
@@ -13670,6 +13791,9 @@
                           <a:solidFill>
                             <a:srgbClr val="000000"/>
                           </a:solidFill>
+                          <a:highlight>
+                            <a:srgbClr val="ffff00"/>
+                          </a:highlight>
                         </a:rPr>
                         <a:t>이너 클래스</a:t>
                       </a:r>
@@ -13677,6 +13801,9 @@
                         <a:solidFill>
                           <a:srgbClr val="000000"/>
                         </a:solidFill>
+                        <a:highlight>
+                          <a:srgbClr val="ffff00"/>
+                        </a:highlight>
                       </a:endParaRPr>
                     </a:p>
                   </a:txBody>
@@ -13724,6 +13851,370 @@
           </a:graphicData>
         </a:graphic>
       </p:graphicFrame>
+    </p:spTree>
+  </p:cSld>
+  <p:clrMapOvr>
+    <a:masterClrMapping/>
+  </p:clrMapOvr>
+  <mc:AlternateContent xmlns:mc="http://schemas.openxmlformats.org/markup-compatibility/2006">
+    <mc:Choice xmlns:p14="http://schemas.microsoft.com/office/powerpoint/2010/main" Requires="p14">
+      <p:transition xmlns:mc="http://schemas.openxmlformats.org/markup-compatibility/2006" xmlns:p14="http://schemas.microsoft.com/office/powerpoint/2010/main" mc:Ignorable="p14" p14:dur="500"/>
+    </mc:Choice>
+    <mc:Fallback>
+      <p:transition/>
+    </mc:Fallback>
+  </mc:AlternateContent>
+</p:sld>
+</file>
+
+<file path=ppt/slides/slide9.xml><?xml version="1.0" encoding="utf-8"?>
+<p:sld xmlns:r="http://schemas.openxmlformats.org/officeDocument/2006/relationships" xmlns:c="http://schemas.openxmlformats.org/drawingml/2006/chart" xmlns:a="http://schemas.openxmlformats.org/drawingml/2006/main" xmlns:dgm="http://schemas.openxmlformats.org/drawingml/2006/diagram" xmlns:dsp="http://schemas.microsoft.com/office/drawing/2008/diagram" xmlns:p="http://schemas.openxmlformats.org/presentationml/2006/main">
+  <p:cSld>
+    <p:spTree>
+      <p:nvGrpSpPr>
+        <p:cNvPr id="1" name=""/>
+        <p:cNvGrpSpPr/>
+        <p:nvPr/>
+      </p:nvGrpSpPr>
+      <p:grpSpPr>
+        <a:xfrm>
+          <a:off x="0" y="0"/>
+          <a:ext cx="0" cy="0"/>
+          <a:chOff x="0" y="0"/>
+          <a:chExt cx="0" cy="0"/>
+        </a:xfrm>
+      </p:grpSpPr>
+      <p:sp>
+        <p:nvSpPr>
+          <p:cNvPr id="2" name="Title 1"/>
+          <p:cNvSpPr>
+            <a:spLocks noGrp="1"/>
+          </p:cNvSpPr>
+          <p:nvPr>
+            <p:ph type="title" idx="0"/>
+          </p:nvPr>
+        </p:nvSpPr>
+        <p:spPr/>
+        <p:txBody>
+          <a:bodyPr/>
+          <a:lstStyle/>
+          <a:p>
+            <a:pPr algn="ctr">
+              <a:defRPr/>
+            </a:pPr>
+            <a:r>
+              <a:rPr lang="ko-KR" altLang="en-US"/>
+              <a:t>클래스와 객체 구분하기</a:t>
+            </a:r>
+            <a:endParaRPr lang="ko-KR" altLang="en-US"/>
+          </a:p>
+        </p:txBody>
+      </p:sp>
+      <p:pic>
+        <p:nvPicPr>
+          <p:cNvPr id="7" name=""/>
+          <p:cNvPicPr>
+            <a:picLocks noChangeAspect="1"/>
+          </p:cNvPicPr>
+          <p:nvPr/>
+        </p:nvPicPr>
+        <p:blipFill rotWithShape="1">
+          <a:blip r:embed="rId2"/>
+          <a:stretch>
+            <a:fillRect/>
+          </a:stretch>
+        </p:blipFill>
+        <p:spPr>
+          <a:xfrm>
+            <a:off x="4658937" y="2303756"/>
+            <a:ext cx="7431879" cy="4227631"/>
+          </a:xfrm>
+          <a:prstGeom prst="rect">
+            <a:avLst/>
+          </a:prstGeom>
+        </p:spPr>
+      </p:pic>
+      <p:sp>
+        <p:nvSpPr>
+          <p:cNvPr id="8" name=""/>
+          <p:cNvSpPr txBox="1"/>
+          <p:nvPr/>
+        </p:nvSpPr>
+        <p:spPr>
+          <a:xfrm>
+            <a:off x="113942" y="2187189"/>
+            <a:ext cx="4537124" cy="1182756"/>
+          </a:xfrm>
+          <a:prstGeom prst="rect">
+            <a:avLst/>
+          </a:prstGeom>
+        </p:spPr>
+        <p:txBody>
+          <a:bodyPr wrap="square">
+            <a:spAutoFit/>
+          </a:bodyPr>
+          <a:p>
+            <a:pPr marL="257040" indent="-257040">
+              <a:buFont typeface="Wingdings"/>
+              <a:buChar char="v"/>
+              <a:defRPr/>
+            </a:pPr>
+            <a:r>
+              <a:rPr lang="ko-KR" altLang="en-US">
+                <a:solidFill>
+                  <a:schemeClr val="dk1"/>
+                </a:solidFill>
+              </a:rPr>
+              <a:t>우리는 클래스를 직접 사용 할 수 없다</a:t>
+            </a:r>
+            <a:br>
+              <a:rPr lang="ko-KR" altLang="en-US">
+                <a:solidFill>
+                  <a:schemeClr val="dk1"/>
+                </a:solidFill>
+              </a:rPr>
+            </a:br>
+            <a:r>
+              <a:rPr lang="ko-KR" altLang="en-US">
+                <a:solidFill>
+                  <a:schemeClr val="dk1"/>
+                </a:solidFill>
+              </a:rPr>
+              <a:t>우리가 붕어빵을 먹고 싶다고 해서</a:t>
+            </a:r>
+            <a:endParaRPr lang="ko-KR" altLang="en-US">
+              <a:solidFill>
+                <a:schemeClr val="dk1"/>
+              </a:solidFill>
+            </a:endParaRPr>
+          </a:p>
+          <a:p>
+            <a:pPr>
+              <a:defRPr/>
+            </a:pPr>
+            <a:r>
+              <a:rPr lang="ko-KR" altLang="en-US">
+                <a:solidFill>
+                  <a:schemeClr val="dk1"/>
+                </a:solidFill>
+              </a:rPr>
+              <a:t>    붕어빵 기계를</a:t>
+            </a:r>
+            <a:r>
+              <a:rPr lang="en-US" altLang="ko-KR">
+                <a:solidFill>
+                  <a:schemeClr val="dk1"/>
+                </a:solidFill>
+              </a:rPr>
+              <a:t> </a:t>
+            </a:r>
+            <a:r>
+              <a:rPr lang="ko-KR" altLang="en-US">
+                <a:solidFill>
+                  <a:schemeClr val="dk1"/>
+                </a:solidFill>
+              </a:rPr>
+              <a:t>먹을 수 없는 것과</a:t>
+            </a:r>
+            <a:endParaRPr lang="ko-KR" altLang="en-US">
+              <a:solidFill>
+                <a:schemeClr val="dk1"/>
+              </a:solidFill>
+            </a:endParaRPr>
+          </a:p>
+          <a:p>
+            <a:pPr>
+              <a:defRPr/>
+            </a:pPr>
+            <a:r>
+              <a:rPr lang="ko-KR" altLang="en-US">
+                <a:solidFill>
+                  <a:schemeClr val="dk1"/>
+                </a:solidFill>
+              </a:rPr>
+              <a:t>    같은 원리이다</a:t>
+            </a:r>
+            <a:r>
+              <a:rPr lang="en-US" altLang="ko-KR">
+                <a:solidFill>
+                  <a:schemeClr val="dk1"/>
+                </a:solidFill>
+              </a:rPr>
+              <a:t>.</a:t>
+            </a:r>
+            <a:endParaRPr lang="en-US" altLang="ko-KR">
+              <a:solidFill>
+                <a:schemeClr val="dk1"/>
+              </a:solidFill>
+            </a:endParaRPr>
+          </a:p>
+        </p:txBody>
+      </p:sp>
+      <p:sp>
+        <p:nvSpPr>
+          <p:cNvPr id="9" name=""/>
+          <p:cNvSpPr txBox="1"/>
+          <p:nvPr/>
+        </p:nvSpPr>
+        <p:spPr>
+          <a:xfrm>
+            <a:off x="3048000" y="3248977"/>
+            <a:ext cx="6096000" cy="360045"/>
+          </a:xfrm>
+          <a:prstGeom prst="rect">
+            <a:avLst/>
+          </a:prstGeom>
+        </p:spPr>
+        <p:txBody>
+          <a:bodyPr wrap="square">
+            <a:spAutoFit/>
+          </a:bodyPr>
+          <a:p>
+            <a:pPr marL="257040" indent="-257040">
+              <a:buFont typeface="Wingdings"/>
+              <a:buChar char="v"/>
+              <a:defRPr/>
+            </a:pPr>
+            <a:endParaRPr lang="ko-KR" altLang="en-US"/>
+          </a:p>
+        </p:txBody>
+      </p:sp>
+      <p:sp>
+        <p:nvSpPr>
+          <p:cNvPr id="10" name=""/>
+          <p:cNvSpPr txBox="1"/>
+          <p:nvPr/>
+        </p:nvSpPr>
+        <p:spPr>
+          <a:xfrm>
+            <a:off x="132812" y="3429000"/>
+            <a:ext cx="4537124" cy="1184270"/>
+          </a:xfrm>
+          <a:prstGeom prst="rect">
+            <a:avLst/>
+          </a:prstGeom>
+        </p:spPr>
+        <p:txBody>
+          <a:bodyPr wrap="square">
+            <a:spAutoFit/>
+          </a:bodyPr>
+          <a:lstStyle/>
+          <a:p>
+            <a:pPr marL="257040" indent="-257040">
+              <a:buFont typeface="Wingdings"/>
+              <a:buChar char="v"/>
+              <a:defRPr/>
+            </a:pPr>
+            <a:r>
+              <a:rPr lang="ko-KR" altLang="en-US">
+                <a:solidFill>
+                  <a:schemeClr val="dk1"/>
+                </a:solidFill>
+              </a:rPr>
+              <a:t>클래스의 모든 특징</a:t>
+            </a:r>
+            <a:r>
+              <a:rPr lang="en-US" altLang="ko-KR">
+                <a:solidFill>
+                  <a:schemeClr val="dk1"/>
+                </a:solidFill>
+              </a:rPr>
+              <a:t>(</a:t>
+            </a:r>
+            <a:r>
+              <a:rPr lang="ko-KR" altLang="en-US">
+                <a:solidFill>
+                  <a:schemeClr val="dk1"/>
+                </a:solidFill>
+                <a:highlight>
+                  <a:srgbClr val="ffff00"/>
+                </a:highlight>
+              </a:rPr>
+              <a:t>필드</a:t>
+            </a:r>
+            <a:r>
+              <a:rPr lang="en-US" altLang="ko-KR">
+                <a:solidFill>
+                  <a:schemeClr val="dk1"/>
+                </a:solidFill>
+              </a:rPr>
+              <a:t>)</a:t>
+            </a:r>
+            <a:r>
+              <a:rPr lang="ko-KR" altLang="en-US">
+                <a:solidFill>
+                  <a:schemeClr val="dk1"/>
+                </a:solidFill>
+              </a:rPr>
+              <a:t>과 기능</a:t>
+            </a:r>
+            <a:r>
+              <a:rPr lang="en-US" altLang="ko-KR">
+                <a:solidFill>
+                  <a:schemeClr val="dk1"/>
+                </a:solidFill>
+              </a:rPr>
+              <a:t>(</a:t>
+            </a:r>
+            <a:r>
+              <a:rPr lang="ko-KR" altLang="en-US">
+                <a:solidFill>
+                  <a:schemeClr val="dk1"/>
+                </a:solidFill>
+                <a:highlight>
+                  <a:srgbClr val="ffff00"/>
+                </a:highlight>
+              </a:rPr>
+              <a:t>메서드</a:t>
+            </a:r>
+            <a:r>
+              <a:rPr lang="en-US" altLang="ko-KR">
+                <a:solidFill>
+                  <a:schemeClr val="dk1"/>
+                </a:solidFill>
+              </a:rPr>
+              <a:t>)</a:t>
+            </a:r>
+            <a:r>
+              <a:rPr lang="ko-KR" altLang="en-US">
+                <a:solidFill>
+                  <a:schemeClr val="dk1"/>
+                </a:solidFill>
+              </a:rPr>
+              <a:t>들을 사용하려면 </a:t>
+            </a:r>
+            <a:r>
+              <a:rPr lang="ko-KR" altLang="en-US" b="1" u="sng">
+                <a:solidFill>
+                  <a:schemeClr val="dk1"/>
+                </a:solidFill>
+              </a:rPr>
+              <a:t>클래스를 이용해 객체를 만든 후 그 객체 속의 필드와 메서드 등을 사용해야 하는 것</a:t>
+            </a:r>
+            <a:r>
+              <a:rPr lang="ko-KR" altLang="en-US">
+                <a:solidFill>
+                  <a:schemeClr val="dk1"/>
+                </a:solidFill>
+              </a:rPr>
+              <a:t>이다</a:t>
+            </a:r>
+            <a:r>
+              <a:rPr lang="en-US" altLang="ko-KR">
+                <a:solidFill>
+                  <a:schemeClr val="dk1"/>
+                </a:solidFill>
+              </a:rPr>
+              <a:t>.</a:t>
+            </a:r>
+            <a:endParaRPr lang="en-US" altLang="ko-KR">
+              <a:solidFill>
+                <a:schemeClr val="dk1"/>
+              </a:solidFill>
+            </a:endParaRPr>
+          </a:p>
+        </p:txBody>
+      </p:sp>
     </p:spTree>
   </p:cSld>
   <p:clrMapOvr>

--- a/study001/교육자료/java.pptx
+++ b/study001/교육자료/java.pptx
@@ -2,7 +2,7 @@
 <file path=ppt/presentation.xml><?xml version="1.0" encoding="utf-8"?>
 <p:presentation xmlns:r="http://schemas.openxmlformats.org/officeDocument/2006/relationships" xmlns:c="http://schemas.openxmlformats.org/drawingml/2006/chart" xmlns:a="http://schemas.openxmlformats.org/drawingml/2006/main" xmlns:dgm="http://schemas.openxmlformats.org/drawingml/2006/diagram" xmlns:dsp="http://schemas.microsoft.com/office/drawing/2008/diagram" xmlns:p="http://schemas.openxmlformats.org/presentationml/2006/main">
   <p:sldMasterIdLst>
-    <p:sldMasterId id="2147484040" r:id="rId1"/>
+    <p:sldMasterId id="2147484044" r:id="rId1"/>
   </p:sldMasterIdLst>
   <p:notesMasterIdLst>
     <p:notesMasterId r:id="rId2"/>
@@ -25,6 +25,9 @@
     <p:sldId id="274" r:id="rId17"/>
     <p:sldId id="275" r:id="rId18"/>
     <p:sldId id="276" r:id="rId19"/>
+    <p:sldId id="277" r:id="rId20"/>
+    <p:sldId id="278" r:id="rId21"/>
+    <p:sldId id="279" r:id="rId22"/>
   </p:sldIdLst>
   <p:sldSz cx="12192000" cy="6858000"/>
   <p:notesSz cx="6858000" cy="9144000"/>
@@ -145,6 +148,9 @@
             <p14:sldId id="274"/>
             <p14:sldId id="275"/>
             <p14:sldId id="276"/>
+            <p14:sldId id="277"/>
+            <p14:sldId id="278"/>
+            <p14:sldId id="279"/>
           </p14:sldIdLst>
         </p14:section>
       </p14:sectionLst>
@@ -254,7 +260,7 @@
               <a:pPr lvl="0">
                 <a:defRPr/>
               </a:pPr>
-              <a:t>2024-05-12</a:t>
+              <a:t>2024-05-16</a:t>
             </a:fld>
             <a:endParaRPr lang="ko-KR" altLang="en-US"/>
           </a:p>
@@ -11396,7 +11402,7 @@
                   <a:srgbClr val="ffff00"/>
                 </a:highlight>
               </a:rPr>
-              <a:t>개의 클래스로 만든 모든 객체는 필드는 달라도 메서드는 동일</a:t>
+              <a:t>개의 클래스로 만든 모든 객체는 필드가 달라도 메서드는 동일</a:t>
             </a:r>
             <a:r>
               <a:rPr lang="ko-KR" altLang="en-US" sz="1400">
@@ -12514,6 +12520,321 @@
 </p:sld>
 </file>
 
+<file path=ppt/slides/slide18.xml><?xml version="1.0" encoding="utf-8"?>
+<p:sld xmlns:r="http://schemas.openxmlformats.org/officeDocument/2006/relationships" xmlns:c="http://schemas.openxmlformats.org/drawingml/2006/chart" xmlns:a="http://schemas.openxmlformats.org/drawingml/2006/main" xmlns:dgm="http://schemas.openxmlformats.org/drawingml/2006/diagram" xmlns:dsp="http://schemas.microsoft.com/office/drawing/2008/diagram" xmlns:p="http://schemas.openxmlformats.org/presentationml/2006/main">
+  <p:cSld>
+    <p:spTree>
+      <p:nvGrpSpPr>
+        <p:cNvPr id="1" name=""/>
+        <p:cNvGrpSpPr/>
+        <p:nvPr/>
+      </p:nvGrpSpPr>
+      <p:grpSpPr>
+        <a:xfrm>
+          <a:off x="0" y="0"/>
+          <a:ext cx="0" cy="0"/>
+          <a:chOff x="0" y="0"/>
+          <a:chExt cx="0" cy="0"/>
+        </a:xfrm>
+      </p:grpSpPr>
+      <p:sp>
+        <p:nvSpPr>
+          <p:cNvPr id="2" name="Title 1"/>
+          <p:cNvSpPr>
+            <a:spLocks noGrp="1"/>
+          </p:cNvSpPr>
+          <p:nvPr>
+            <p:ph type="title" idx="0"/>
+          </p:nvPr>
+        </p:nvSpPr>
+        <p:spPr/>
+        <p:txBody>
+          <a:bodyPr/>
+          <a:lstStyle/>
+          <a:p>
+            <a:pPr algn="ctr">
+              <a:defRPr/>
+            </a:pPr>
+            <a:r>
+              <a:rPr lang="en-US" altLang="ko-KR"/>
+              <a:t>(2)</a:t>
+            </a:r>
+            <a:r>
+              <a:rPr lang="ko-KR" altLang="en-US"/>
+              <a:t>메서드</a:t>
+            </a:r>
+            <a:endParaRPr lang="ko-KR" altLang="en-US"/>
+          </a:p>
+        </p:txBody>
+      </p:sp>
+      <p:pic>
+        <p:nvPicPr>
+          <p:cNvPr id="3" name=""/>
+          <p:cNvPicPr>
+            <a:picLocks noChangeAspect="1"/>
+          </p:cNvPicPr>
+          <p:nvPr/>
+        </p:nvPicPr>
+        <p:blipFill rotWithShape="1">
+          <a:blip r:embed="rId2"/>
+          <a:stretch>
+            <a:fillRect/>
+          </a:stretch>
+        </p:blipFill>
+        <p:spPr>
+          <a:xfrm>
+            <a:off x="0" y="1905000"/>
+            <a:ext cx="12192000" cy="4953000"/>
+          </a:xfrm>
+          <a:prstGeom prst="rect">
+            <a:avLst/>
+          </a:prstGeom>
+        </p:spPr>
+      </p:pic>
+    </p:spTree>
+  </p:cSld>
+  <p:clrMapOvr>
+    <a:masterClrMapping/>
+  </p:clrMapOvr>
+  <mc:AlternateContent xmlns:mc="http://schemas.openxmlformats.org/markup-compatibility/2006">
+    <mc:Choice xmlns:p14="http://schemas.microsoft.com/office/powerpoint/2010/main" Requires="p14">
+      <p:transition xmlns:mc="http://schemas.openxmlformats.org/markup-compatibility/2006" xmlns:p14="http://schemas.microsoft.com/office/powerpoint/2010/main" mc:Ignorable="p14" p14:dur="500"/>
+    </mc:Choice>
+    <mc:Fallback>
+      <p:transition/>
+    </mc:Fallback>
+  </mc:AlternateContent>
+</p:sld>
+</file>
+
+<file path=ppt/slides/slide19.xml><?xml version="1.0" encoding="utf-8"?>
+<p:sld xmlns:r="http://schemas.openxmlformats.org/officeDocument/2006/relationships" xmlns:c="http://schemas.openxmlformats.org/drawingml/2006/chart" xmlns:a="http://schemas.openxmlformats.org/drawingml/2006/main" xmlns:dgm="http://schemas.openxmlformats.org/drawingml/2006/diagram" xmlns:dsp="http://schemas.microsoft.com/office/drawing/2008/diagram" xmlns:p="http://schemas.openxmlformats.org/presentationml/2006/main">
+  <p:cSld>
+    <p:spTree>
+      <p:nvGrpSpPr>
+        <p:cNvPr id="1" name=""/>
+        <p:cNvGrpSpPr/>
+        <p:nvPr/>
+      </p:nvGrpSpPr>
+      <p:grpSpPr>
+        <a:xfrm>
+          <a:off x="0" y="0"/>
+          <a:ext cx="0" cy="0"/>
+          <a:chOff x="0" y="0"/>
+          <a:chExt cx="0" cy="0"/>
+        </a:xfrm>
+      </p:grpSpPr>
+      <p:sp>
+        <p:nvSpPr>
+          <p:cNvPr id="2" name="Title 1"/>
+          <p:cNvSpPr>
+            <a:spLocks noGrp="1"/>
+          </p:cNvSpPr>
+          <p:nvPr>
+            <p:ph type="title" idx="0"/>
+          </p:nvPr>
+        </p:nvSpPr>
+        <p:spPr/>
+        <p:txBody>
+          <a:bodyPr/>
+          <a:lstStyle/>
+          <a:p>
+            <a:pPr algn="ctr">
+              <a:defRPr/>
+            </a:pPr>
+            <a:r>
+              <a:rPr lang="ko-KR" altLang="en-US" b="1"/>
+              <a:t>외부 메서드 호출하기</a:t>
+            </a:r>
+            <a:endParaRPr lang="ko-KR" altLang="en-US" b="1"/>
+          </a:p>
+        </p:txBody>
+      </p:sp>
+      <p:pic>
+        <p:nvPicPr>
+          <p:cNvPr id="9" name=""/>
+          <p:cNvPicPr>
+            <a:picLocks noChangeAspect="1"/>
+          </p:cNvPicPr>
+          <p:nvPr/>
+        </p:nvPicPr>
+        <p:blipFill rotWithShape="1">
+          <a:blip r:embed="rId2"/>
+          <a:stretch>
+            <a:fillRect/>
+          </a:stretch>
+        </p:blipFill>
+        <p:spPr>
+          <a:xfrm>
+            <a:off x="2366265" y="2025875"/>
+            <a:ext cx="3729734" cy="4784500"/>
+          </a:xfrm>
+          <a:prstGeom prst="rect">
+            <a:avLst/>
+          </a:prstGeom>
+        </p:spPr>
+      </p:pic>
+      <p:pic>
+        <p:nvPicPr>
+          <p:cNvPr id="10" name=""/>
+          <p:cNvPicPr>
+            <a:picLocks noChangeAspect="1"/>
+          </p:cNvPicPr>
+          <p:nvPr/>
+        </p:nvPicPr>
+        <p:blipFill rotWithShape="1">
+          <a:blip r:embed="rId3"/>
+          <a:stretch>
+            <a:fillRect/>
+          </a:stretch>
+        </p:blipFill>
+        <p:spPr>
+          <a:xfrm>
+            <a:off x="7043613" y="2948120"/>
+            <a:ext cx="2776842" cy="3853920"/>
+          </a:xfrm>
+          <a:prstGeom prst="rect">
+            <a:avLst/>
+          </a:prstGeom>
+        </p:spPr>
+      </p:pic>
+      <p:sp>
+        <p:nvSpPr>
+          <p:cNvPr id="11" name=""/>
+          <p:cNvSpPr/>
+          <p:nvPr/>
+        </p:nvSpPr>
+        <p:spPr>
+          <a:xfrm>
+            <a:off x="7088792" y="1998661"/>
+            <a:ext cx="2690812" cy="920750"/>
+          </a:xfrm>
+          <a:prstGeom prst="round2DiagRect">
+            <a:avLst>
+              <a:gd name="adj1" fmla="val 16667"/>
+              <a:gd name="adj2" fmla="val 0"/>
+            </a:avLst>
+          </a:prstGeom>
+          <a:solidFill>
+            <a:schemeClr val="dk1"/>
+          </a:solidFill>
+        </p:spPr>
+        <p:style>
+          <a:lnRef idx="2">
+            <a:schemeClr val="accent1">
+              <a:shade val="20000"/>
+            </a:schemeClr>
+          </a:lnRef>
+          <a:fillRef idx="1">
+            <a:schemeClr val="accent1"/>
+          </a:fillRef>
+          <a:effectRef idx="0">
+            <a:schemeClr val="accent1"/>
+          </a:effectRef>
+          <a:fontRef idx="minor">
+            <a:schemeClr val="lt1"/>
+          </a:fontRef>
+        </p:style>
+        <p:txBody>
+          <a:bodyPr anchor="ctr"/>
+          <a:p>
+            <a:pPr algn="ctr">
+              <a:defRPr/>
+            </a:pPr>
+            <a:r>
+              <a:rPr lang="en-US" altLang="ko-KR" sz="1000" b="1">
+                <a:solidFill>
+                  <a:schemeClr val="lt1"/>
+                </a:solidFill>
+              </a:rPr>
+              <a:t>[</a:t>
+            </a:r>
+            <a:r>
+              <a:rPr lang="ko-KR" altLang="en-US" sz="1000" b="1">
+                <a:solidFill>
+                  <a:schemeClr val="lt1"/>
+                </a:solidFill>
+              </a:rPr>
+              <a:t>클래스 외부에서 메서드 호출</a:t>
+            </a:r>
+            <a:r>
+              <a:rPr lang="en-US" altLang="ko-KR" sz="1000" b="1">
+                <a:solidFill>
+                  <a:schemeClr val="lt1"/>
+                </a:solidFill>
+              </a:rPr>
+              <a:t>]</a:t>
+            </a:r>
+            <a:endParaRPr lang="en-US" altLang="ko-KR" sz="1000" b="1">
+              <a:solidFill>
+                <a:schemeClr val="lt1"/>
+              </a:solidFill>
+            </a:endParaRPr>
+          </a:p>
+          <a:p>
+            <a:pPr algn="ctr">
+              <a:defRPr/>
+            </a:pPr>
+            <a:endParaRPr lang="en-US" altLang="ko-KR" sz="1000" b="1">
+              <a:solidFill>
+                <a:schemeClr val="lt1"/>
+              </a:solidFill>
+            </a:endParaRPr>
+          </a:p>
+          <a:p>
+            <a:pPr algn="ctr">
+              <a:defRPr/>
+            </a:pPr>
+            <a:r>
+              <a:rPr lang="ko-KR" altLang="en-US" sz="1000" b="1">
+                <a:solidFill>
+                  <a:schemeClr val="lt1"/>
+                </a:solidFill>
+              </a:rPr>
+              <a:t>클래스 외부에서 메서드를</a:t>
+            </a:r>
+            <a:endParaRPr lang="ko-KR" altLang="en-US" sz="1000" b="1">
+              <a:solidFill>
+                <a:schemeClr val="lt1"/>
+              </a:solidFill>
+            </a:endParaRPr>
+          </a:p>
+          <a:p>
+            <a:pPr algn="ctr">
+              <a:defRPr/>
+            </a:pPr>
+            <a:r>
+              <a:rPr lang="ko-KR" altLang="en-US" sz="1000" b="1">
+                <a:solidFill>
+                  <a:schemeClr val="lt1"/>
+                </a:solidFill>
+              </a:rPr>
+              <a:t>사용하려면 먼저 객체를 생성해야 한다.</a:t>
+            </a:r>
+            <a:endParaRPr lang="ko-KR" altLang="en-US" sz="1000" b="1">
+              <a:solidFill>
+                <a:schemeClr val="lt1"/>
+              </a:solidFill>
+            </a:endParaRPr>
+          </a:p>
+        </p:txBody>
+      </p:sp>
+    </p:spTree>
+  </p:cSld>
+  <p:clrMapOvr>
+    <a:masterClrMapping/>
+  </p:clrMapOvr>
+  <mc:AlternateContent xmlns:mc="http://schemas.openxmlformats.org/markup-compatibility/2006">
+    <mc:Choice xmlns:p14="http://schemas.microsoft.com/office/powerpoint/2010/main" Requires="p14">
+      <p:transition xmlns:mc="http://schemas.openxmlformats.org/markup-compatibility/2006" xmlns:p14="http://schemas.microsoft.com/office/powerpoint/2010/main" mc:Ignorable="p14" p14:dur="500"/>
+    </mc:Choice>
+    <mc:Fallback>
+      <p:transition/>
+    </mc:Fallback>
+  </mc:AlternateContent>
+</p:sld>
+</file>
+
 <file path=ppt/slides/slide2.xml><?xml version="1.0" encoding="utf-8"?>
 <p:sld xmlns:r="http://schemas.openxmlformats.org/officeDocument/2006/relationships" xmlns:c="http://schemas.openxmlformats.org/drawingml/2006/chart" xmlns:a="http://schemas.openxmlformats.org/drawingml/2006/main" xmlns:dgm="http://schemas.openxmlformats.org/drawingml/2006/diagram" xmlns:dsp="http://schemas.microsoft.com/office/drawing/2008/diagram" xmlns:p="http://schemas.openxmlformats.org/presentationml/2006/main">
   <p:cSld>
@@ -13601,6 +13922,366 @@
             <a:endParaRPr lang="en-US" altLang="ko-KR" sz="1000" b="1">
               <a:solidFill>
                 <a:srgbClr val="000000"/>
+              </a:solidFill>
+            </a:endParaRPr>
+          </a:p>
+        </p:txBody>
+      </p:sp>
+    </p:spTree>
+  </p:cSld>
+  <p:clrMapOvr>
+    <a:masterClrMapping/>
+  </p:clrMapOvr>
+  <mc:AlternateContent xmlns:mc="http://schemas.openxmlformats.org/markup-compatibility/2006">
+    <mc:Choice xmlns:p14="http://schemas.microsoft.com/office/powerpoint/2010/main" Requires="p14">
+      <p:transition xmlns:mc="http://schemas.openxmlformats.org/markup-compatibility/2006" xmlns:p14="http://schemas.microsoft.com/office/powerpoint/2010/main" mc:Ignorable="p14" p14:dur="500"/>
+    </mc:Choice>
+    <mc:Fallback>
+      <p:transition/>
+    </mc:Fallback>
+  </mc:AlternateContent>
+</p:sld>
+</file>
+
+<file path=ppt/slides/slide20.xml><?xml version="1.0" encoding="utf-8"?>
+<p:sld xmlns:r="http://schemas.openxmlformats.org/officeDocument/2006/relationships" xmlns:c="http://schemas.openxmlformats.org/drawingml/2006/chart" xmlns:a="http://schemas.openxmlformats.org/drawingml/2006/main" xmlns:dgm="http://schemas.openxmlformats.org/drawingml/2006/diagram" xmlns:dsp="http://schemas.microsoft.com/office/drawing/2008/diagram" xmlns:p="http://schemas.openxmlformats.org/presentationml/2006/main">
+  <p:cSld>
+    <p:spTree>
+      <p:nvGrpSpPr>
+        <p:cNvPr id="1" name=""/>
+        <p:cNvGrpSpPr/>
+        <p:nvPr/>
+      </p:nvGrpSpPr>
+      <p:grpSpPr>
+        <a:xfrm>
+          <a:off x="0" y="0"/>
+          <a:ext cx="0" cy="0"/>
+          <a:chOff x="0" y="0"/>
+          <a:chExt cx="0" cy="0"/>
+        </a:xfrm>
+      </p:grpSpPr>
+      <p:sp>
+        <p:nvSpPr>
+          <p:cNvPr id="2" name="Title 1"/>
+          <p:cNvSpPr>
+            <a:spLocks noGrp="1"/>
+          </p:cNvSpPr>
+          <p:nvPr>
+            <p:ph type="title" idx="0"/>
+          </p:nvPr>
+        </p:nvSpPr>
+        <p:spPr/>
+        <p:txBody>
+          <a:bodyPr/>
+          <a:lstStyle/>
+          <a:p>
+            <a:pPr algn="ctr">
+              <a:defRPr/>
+            </a:pPr>
+            <a:r>
+              <a:rPr lang="ko-KR" altLang="en-US"/>
+              <a:t>내부 메서드 호출하기</a:t>
+            </a:r>
+            <a:endParaRPr lang="ko-KR" altLang="en-US"/>
+          </a:p>
+        </p:txBody>
+      </p:sp>
+      <p:sp>
+        <p:nvSpPr>
+          <p:cNvPr id="4" name=""/>
+          <p:cNvSpPr txBox="1"/>
+          <p:nvPr/>
+        </p:nvSpPr>
+        <p:spPr>
+          <a:xfrm>
+            <a:off x="1309991" y="3157609"/>
+            <a:ext cx="4531617" cy="288535"/>
+          </a:xfrm>
+          <a:prstGeom prst="rect">
+            <a:avLst/>
+          </a:prstGeom>
+          <a:noFill/>
+        </p:spPr>
+        <p:txBody>
+          <a:bodyPr wrap="square">
+            <a:spAutoFit/>
+          </a:bodyPr>
+          <a:lstStyle/>
+          <a:p>
+            <a:pPr>
+              <a:defRPr/>
+            </a:pPr>
+            <a:endParaRPr lang="ko-KR" altLang="en-US" sz="1300">
+              <a:solidFill>
+                <a:schemeClr val="dk1"/>
+              </a:solidFill>
+            </a:endParaRPr>
+          </a:p>
+        </p:txBody>
+      </p:sp>
+      <p:pic>
+        <p:nvPicPr>
+          <p:cNvPr id="5" name=""/>
+          <p:cNvPicPr>
+            <a:picLocks noChangeAspect="1"/>
+          </p:cNvPicPr>
+          <p:nvPr/>
+        </p:nvPicPr>
+        <p:blipFill rotWithShape="1">
+          <a:blip r:embed="rId2"/>
+          <a:stretch>
+            <a:fillRect/>
+          </a:stretch>
+        </p:blipFill>
+        <p:spPr>
+          <a:xfrm>
+            <a:off x="6096000" y="2106130"/>
+            <a:ext cx="2974951" cy="4356179"/>
+          </a:xfrm>
+          <a:prstGeom prst="rect">
+            <a:avLst/>
+          </a:prstGeom>
+        </p:spPr>
+      </p:pic>
+      <p:sp>
+        <p:nvSpPr>
+          <p:cNvPr id="6" name=""/>
+          <p:cNvSpPr/>
+          <p:nvPr/>
+        </p:nvSpPr>
+        <p:spPr>
+          <a:xfrm>
+            <a:off x="857250" y="2689225"/>
+            <a:ext cx="4230687" cy="3174999"/>
+          </a:xfrm>
+          <a:prstGeom prst="round2DiagRect">
+            <a:avLst>
+              <a:gd name="adj1" fmla="val 16667"/>
+              <a:gd name="adj2" fmla="val 0"/>
+            </a:avLst>
+          </a:prstGeom>
+          <a:solidFill>
+            <a:schemeClr val="dk1"/>
+          </a:solidFill>
+        </p:spPr>
+        <p:style>
+          <a:lnRef idx="2">
+            <a:schemeClr val="accent1">
+              <a:shade val="20000"/>
+            </a:schemeClr>
+          </a:lnRef>
+          <a:fillRef idx="1">
+            <a:schemeClr val="accent1"/>
+          </a:fillRef>
+          <a:effectRef idx="0">
+            <a:schemeClr val="accent1"/>
+          </a:effectRef>
+          <a:fontRef idx="minor">
+            <a:schemeClr val="lt1"/>
+          </a:fontRef>
+        </p:style>
+        <p:txBody>
+          <a:bodyPr anchor="ctr"/>
+          <a:p>
+            <a:pPr>
+              <a:defRPr/>
+            </a:pPr>
+            <a:r>
+              <a:rPr lang="en-US" altLang="ko-KR" sz="1300" b="1">
+                <a:solidFill>
+                  <a:schemeClr val="lt1"/>
+                </a:solidFill>
+              </a:rPr>
+              <a:t>[</a:t>
+            </a:r>
+            <a:r>
+              <a:rPr lang="ko-KR" altLang="en-US" sz="1300" b="1">
+                <a:solidFill>
+                  <a:schemeClr val="lt1"/>
+                </a:solidFill>
+              </a:rPr>
+              <a:t>클래스 내부에서 매서드 호출</a:t>
+            </a:r>
+            <a:r>
+              <a:rPr lang="en-US" altLang="ko-KR" sz="1300" b="1">
+                <a:solidFill>
+                  <a:schemeClr val="lt1"/>
+                </a:solidFill>
+              </a:rPr>
+              <a:t>]</a:t>
+            </a:r>
+            <a:endParaRPr lang="en-US" altLang="ko-KR" sz="1300" b="1">
+              <a:solidFill>
+                <a:schemeClr val="lt1"/>
+              </a:solidFill>
+            </a:endParaRPr>
+          </a:p>
+          <a:p>
+            <a:pPr>
+              <a:defRPr/>
+            </a:pPr>
+            <a:endParaRPr lang="en-US" altLang="ko-KR" sz="1300" b="1">
+              <a:solidFill>
+                <a:schemeClr val="lt1"/>
+              </a:solidFill>
+            </a:endParaRPr>
+          </a:p>
+          <a:p>
+            <a:pPr>
+              <a:defRPr/>
+            </a:pPr>
+            <a:r>
+              <a:rPr lang="en-US" altLang="ko-KR" sz="1300" b="1">
+                <a:solidFill>
+                  <a:schemeClr val="lt1"/>
+                </a:solidFill>
+              </a:rPr>
+              <a:t>-</a:t>
+            </a:r>
+            <a:r>
+              <a:rPr lang="ko-KR" altLang="en-US" sz="1300" b="1">
+                <a:solidFill>
+                  <a:schemeClr val="lt1"/>
+                </a:solidFill>
+              </a:rPr>
+              <a:t> 클래스 내부에 있는 메서드끼리는 </a:t>
+            </a:r>
+            <a:endParaRPr lang="ko-KR" altLang="en-US" sz="1300" b="1">
+              <a:solidFill>
+                <a:schemeClr val="lt1"/>
+              </a:solidFill>
+            </a:endParaRPr>
+          </a:p>
+          <a:p>
+            <a:pPr>
+              <a:defRPr/>
+            </a:pPr>
+            <a:r>
+              <a:rPr lang="ko-KR" altLang="en-US" sz="1300" b="1">
+                <a:solidFill>
+                  <a:schemeClr val="lt1"/>
+                </a:solidFill>
+              </a:rPr>
+              <a:t>객체를 생성하지 않고 서로를 호출할 수 있다.</a:t>
+            </a:r>
+            <a:endParaRPr lang="ko-KR" altLang="en-US" sz="1300" b="1">
+              <a:solidFill>
+                <a:schemeClr val="lt1"/>
+              </a:solidFill>
+            </a:endParaRPr>
+          </a:p>
+          <a:p>
+            <a:pPr>
+              <a:defRPr/>
+            </a:pPr>
+            <a:endParaRPr lang="ko-KR" altLang="en-US" sz="1300" b="1">
+              <a:solidFill>
+                <a:schemeClr val="lt1"/>
+              </a:solidFill>
+            </a:endParaRPr>
+          </a:p>
+          <a:p>
+            <a:pPr>
+              <a:defRPr/>
+            </a:pPr>
+            <a:r>
+              <a:rPr lang="en-US" altLang="ko-KR" sz="1300" b="1">
+                <a:solidFill>
+                  <a:schemeClr val="lt1"/>
+                </a:solidFill>
+              </a:rPr>
+              <a:t>-</a:t>
+            </a:r>
+            <a:r>
+              <a:rPr lang="ko-KR" altLang="en-US" sz="1300" b="1">
+                <a:solidFill>
+                  <a:schemeClr val="lt1"/>
+                </a:solidFill>
+              </a:rPr>
+              <a:t> 자신이 속한 클래스의 필드를 사용할 수 있다.</a:t>
+            </a:r>
+            <a:endParaRPr lang="ko-KR" altLang="en-US" sz="1300" b="1">
+              <a:solidFill>
+                <a:schemeClr val="lt1"/>
+              </a:solidFill>
+            </a:endParaRPr>
+          </a:p>
+          <a:p>
+            <a:pPr>
+              <a:defRPr/>
+            </a:pPr>
+            <a:r>
+              <a:rPr lang="ko-KR" altLang="en-US" sz="1300" b="1">
+                <a:solidFill>
+                  <a:schemeClr val="lt1"/>
+                </a:solidFill>
+              </a:rPr>
+              <a:t>단, 메서드 앞에 [static]이 붙어 있을 때는</a:t>
+            </a:r>
+            <a:br>
+              <a:rPr lang="ko-KR" altLang="en-US" sz="1300" b="1">
+                <a:solidFill>
+                  <a:schemeClr val="lt1"/>
+                </a:solidFill>
+              </a:rPr>
+            </a:br>
+            <a:r>
+              <a:rPr lang="ko-KR" altLang="en-US" sz="1300" b="1">
+                <a:solidFill>
+                  <a:schemeClr val="lt1"/>
+                </a:solidFill>
+              </a:rPr>
+              <a:t>[static]이 붙은 필드 또는 메서드만 호출 할 수 있다.</a:t>
+            </a:r>
+            <a:endParaRPr lang="ko-KR" altLang="en-US" sz="1300" b="1">
+              <a:solidFill>
+                <a:schemeClr val="lt1"/>
+              </a:solidFill>
+            </a:endParaRPr>
+          </a:p>
+          <a:p>
+            <a:pPr>
+              <a:defRPr/>
+            </a:pPr>
+            <a:endParaRPr lang="ko-KR" altLang="en-US" sz="1300" b="1">
+              <a:solidFill>
+                <a:schemeClr val="lt1"/>
+              </a:solidFill>
+            </a:endParaRPr>
+          </a:p>
+          <a:p>
+            <a:pPr>
+              <a:defRPr/>
+            </a:pPr>
+            <a:r>
+              <a:rPr lang="ko-KR" altLang="en-US" sz="1300" b="1">
+                <a:solidFill>
+                  <a:schemeClr val="lt1"/>
+                </a:solidFill>
+              </a:rPr>
+              <a:t>⇒ 같은 멤버끼리는 클래스 내부에서 얼마든지</a:t>
+            </a:r>
+            <a:endParaRPr lang="ko-KR" altLang="en-US" sz="1300" b="1">
+              <a:solidFill>
+                <a:schemeClr val="lt1"/>
+              </a:solidFill>
+            </a:endParaRPr>
+          </a:p>
+          <a:p>
+            <a:pPr>
+              <a:defRPr/>
+            </a:pPr>
+            <a:r>
+              <a:rPr lang="ko-KR" altLang="en-US" sz="1300" b="1">
+                <a:solidFill>
+                  <a:schemeClr val="lt1"/>
+                </a:solidFill>
+              </a:rPr>
+              <a:t>객체를 생성하지 않고 서로를 호출 할 수 있다.</a:t>
+            </a:r>
+            <a:endParaRPr lang="ko-KR" altLang="en-US" b="1">
+              <a:solidFill>
+                <a:schemeClr val="lt1"/>
               </a:solidFill>
             </a:endParaRPr>
           </a:p>
@@ -13757,7 +14438,7 @@
         </p:nvGraphicFramePr>
         <p:xfrm>
           <a:off x="137583" y="3058583"/>
-          <a:ext cx="11904380" cy="3642570"/>
+          <a:ext cx="11904379" cy="3642568"/>
         </p:xfrm>
         <a:graphic>
           <a:graphicData uri="http://schemas.openxmlformats.org/drawingml/2006/table">
@@ -14215,7 +14896,11 @@
                         </a:rPr>
                         <a:t>]</a:t>
                       </a:r>
-                      <a:endParaRPr lang="en-US" altLang="ko-KR"/>
+                      <a:endParaRPr lang="en-US" altLang="ko-KR">
+                        <a:highlight>
+                          <a:srgbClr val="f4e5b2"/>
+                        </a:highlight>
+                      </a:endParaRPr>
                     </a:p>
                     <a:p>
                       <a:pPr marL="257182" indent="-257182">
@@ -17320,7 +18005,7 @@
                             <a:srgbClr val="000000"/>
                           </a:solidFill>
                         </a:rPr>
-                        <a:t>클래스의 내부에도 클래스다 포함될 수 있다</a:t>
+                        <a:t>클래스의 내부에도 클래스가 포함될 수 있다</a:t>
                       </a:r>
                       <a:r>
                         <a:rPr lang="en-US" altLang="ko-KR" sz="1300">
@@ -17330,7 +18015,7 @@
                         </a:rPr>
                         <a:t>.</a:t>
                       </a:r>
-                      <a:endParaRPr lang="ko-KR" altLang="en-US" sz="1300">
+                      <a:endParaRPr lang="en-US" altLang="ko-KR" sz="1300">
                         <a:solidFill>
                           <a:srgbClr val="000000"/>
                         </a:solidFill>

--- a/study001/교육자료/java.pptx
+++ b/study001/교육자료/java.pptx
@@ -2,7 +2,7 @@
 <file path=ppt/presentation.xml><?xml version="1.0" encoding="utf-8"?>
 <p:presentation xmlns:r="http://schemas.openxmlformats.org/officeDocument/2006/relationships" xmlns:c="http://schemas.openxmlformats.org/drawingml/2006/chart" xmlns:a="http://schemas.openxmlformats.org/drawingml/2006/main" xmlns:dgm="http://schemas.openxmlformats.org/drawingml/2006/diagram" xmlns:dsp="http://schemas.microsoft.com/office/drawing/2008/diagram" xmlns:p="http://schemas.openxmlformats.org/presentationml/2006/main">
   <p:sldMasterIdLst>
-    <p:sldMasterId id="2147484044" r:id="rId1"/>
+    <p:sldMasterId id="2147484062" r:id="rId1"/>
   </p:sldMasterIdLst>
   <p:notesMasterIdLst>
     <p:notesMasterId r:id="rId2"/>
@@ -28,6 +28,8 @@
     <p:sldId id="277" r:id="rId20"/>
     <p:sldId id="278" r:id="rId21"/>
     <p:sldId id="279" r:id="rId22"/>
+    <p:sldId id="280" r:id="rId23"/>
+    <p:sldId id="281" r:id="rId24"/>
   </p:sldIdLst>
   <p:sldSz cx="12192000" cy="6858000"/>
   <p:notesSz cx="6858000" cy="9144000"/>
@@ -151,6 +153,8 @@
             <p14:sldId id="277"/>
             <p14:sldId id="278"/>
             <p14:sldId id="279"/>
+            <p14:sldId id="280"/>
+            <p14:sldId id="281"/>
           </p14:sldIdLst>
         </p14:section>
       </p14:sectionLst>
@@ -260,7 +264,7 @@
               <a:pPr lvl="0">
                 <a:defRPr/>
               </a:pPr>
-              <a:t>2024-05-16</a:t>
+              <a:t>2024-05-21</a:t>
             </a:fld>
             <a:endParaRPr lang="ko-KR" altLang="en-US"/>
           </a:p>
@@ -14287,6 +14291,1022 @@
           </a:p>
         </p:txBody>
       </p:sp>
+    </p:spTree>
+  </p:cSld>
+  <p:clrMapOvr>
+    <a:masterClrMapping/>
+  </p:clrMapOvr>
+  <mc:AlternateContent xmlns:mc="http://schemas.openxmlformats.org/markup-compatibility/2006">
+    <mc:Choice xmlns:p14="http://schemas.microsoft.com/office/powerpoint/2010/main" Requires="p14">
+      <p:transition xmlns:mc="http://schemas.openxmlformats.org/markup-compatibility/2006" xmlns:p14="http://schemas.microsoft.com/office/powerpoint/2010/main" mc:Ignorable="p14" p14:dur="500"/>
+    </mc:Choice>
+    <mc:Fallback>
+      <p:transition/>
+    </mc:Fallback>
+  </mc:AlternateContent>
+</p:sld>
+</file>
+
+<file path=ppt/slides/slide21.xml><?xml version="1.0" encoding="utf-8"?>
+<p:sld xmlns:r="http://schemas.openxmlformats.org/officeDocument/2006/relationships" xmlns:c="http://schemas.openxmlformats.org/drawingml/2006/chart" xmlns:a="http://schemas.openxmlformats.org/drawingml/2006/main" xmlns:dgm="http://schemas.openxmlformats.org/drawingml/2006/diagram" xmlns:dsp="http://schemas.microsoft.com/office/drawing/2008/diagram" xmlns:p="http://schemas.openxmlformats.org/presentationml/2006/main">
+  <p:cSld>
+    <p:spTree>
+      <p:nvGrpSpPr>
+        <p:cNvPr id="1" name=""/>
+        <p:cNvGrpSpPr/>
+        <p:nvPr/>
+      </p:nvGrpSpPr>
+      <p:grpSpPr>
+        <a:xfrm>
+          <a:off x="0" y="0"/>
+          <a:ext cx="0" cy="0"/>
+          <a:chOff x="0" y="0"/>
+          <a:chExt cx="0" cy="0"/>
+        </a:xfrm>
+      </p:grpSpPr>
+      <p:sp>
+        <p:nvSpPr>
+          <p:cNvPr id="2" name="Title 1"/>
+          <p:cNvSpPr>
+            <a:spLocks noGrp="1"/>
+          </p:cNvSpPr>
+          <p:nvPr>
+            <p:ph type="title" idx="0"/>
+          </p:nvPr>
+        </p:nvSpPr>
+        <p:spPr/>
+        <p:txBody>
+          <a:bodyPr/>
+          <a:lstStyle/>
+          <a:p>
+            <a:pPr algn="ctr">
+              <a:defRPr/>
+            </a:pPr>
+            <a:r>
+              <a:rPr lang="ko-KR" altLang="en-US"/>
+              <a:t>리턴타입이란</a:t>
+            </a:r>
+            <a:r>
+              <a:rPr lang="en-US" altLang="ko-KR"/>
+              <a:t>?</a:t>
+            </a:r>
+            <a:endParaRPr lang="en-US" altLang="ko-KR"/>
+          </a:p>
+        </p:txBody>
+      </p:sp>
+      <p:pic>
+        <p:nvPicPr>
+          <p:cNvPr id="4" name=""/>
+          <p:cNvPicPr>
+            <a:picLocks noChangeAspect="1"/>
+          </p:cNvPicPr>
+          <p:nvPr/>
+        </p:nvPicPr>
+        <p:blipFill rotWithShape="1">
+          <a:blip r:embed="rId2"/>
+          <a:stretch>
+            <a:fillRect/>
+          </a:stretch>
+        </p:blipFill>
+        <p:spPr>
+          <a:xfrm>
+            <a:off x="160233" y="2355734"/>
+            <a:ext cx="5304851" cy="1915084"/>
+          </a:xfrm>
+          <a:prstGeom prst="rect">
+            <a:avLst/>
+          </a:prstGeom>
+        </p:spPr>
+      </p:pic>
+      <p:pic>
+        <p:nvPicPr>
+          <p:cNvPr id="5" name=""/>
+          <p:cNvPicPr>
+            <a:picLocks noChangeAspect="1"/>
+          </p:cNvPicPr>
+          <p:nvPr/>
+        </p:nvPicPr>
+        <p:blipFill rotWithShape="1">
+          <a:blip r:embed="rId3"/>
+          <a:stretch>
+            <a:fillRect/>
+          </a:stretch>
+        </p:blipFill>
+        <p:spPr>
+          <a:xfrm>
+            <a:off x="8665807" y="2127313"/>
+            <a:ext cx="2829393" cy="4526176"/>
+          </a:xfrm>
+          <a:prstGeom prst="rect">
+            <a:avLst/>
+          </a:prstGeom>
+        </p:spPr>
+      </p:pic>
+      <p:sp>
+        <p:nvSpPr>
+          <p:cNvPr id="6" name=""/>
+          <p:cNvSpPr txBox="1"/>
+          <p:nvPr/>
+        </p:nvSpPr>
+        <p:spPr>
+          <a:xfrm>
+            <a:off x="6754735" y="3041768"/>
+            <a:ext cx="598314" cy="243075"/>
+          </a:xfrm>
+          <a:prstGeom prst="rect">
+            <a:avLst/>
+          </a:prstGeom>
+        </p:spPr>
+        <p:txBody>
+          <a:bodyPr wrap="square">
+            <a:spAutoFit/>
+          </a:bodyPr>
+          <a:p>
+            <a:pPr>
+              <a:defRPr/>
+            </a:pPr>
+            <a:r>
+              <a:rPr lang="ko-KR" altLang="en-US" sz="1000" b="1">
+                <a:solidFill>
+                  <a:schemeClr val="lt1"/>
+                </a:solidFill>
+              </a:rPr>
+              <a:t>예제 </a:t>
+            </a:r>
+            <a:r>
+              <a:rPr lang="en-US" altLang="ko-KR" sz="1000" b="1">
+                <a:solidFill>
+                  <a:schemeClr val="lt1"/>
+                </a:solidFill>
+              </a:rPr>
+              <a:t>:)</a:t>
+            </a:r>
+            <a:endParaRPr lang="en-US" altLang="ko-KR" sz="1000" b="1">
+              <a:solidFill>
+                <a:schemeClr val="lt1"/>
+              </a:solidFill>
+            </a:endParaRPr>
+          </a:p>
+        </p:txBody>
+      </p:sp>
+      <p:pic>
+        <p:nvPicPr>
+          <p:cNvPr id="7" name=""/>
+          <p:cNvPicPr>
+            <a:picLocks noChangeAspect="1"/>
+          </p:cNvPicPr>
+          <p:nvPr/>
+        </p:nvPicPr>
+        <p:blipFill rotWithShape="1">
+          <a:blip r:embed="rId4"/>
+          <a:stretch>
+            <a:fillRect/>
+          </a:stretch>
+        </p:blipFill>
+        <p:spPr>
+          <a:xfrm>
+            <a:off x="151332" y="4370059"/>
+            <a:ext cx="8354591" cy="2238687"/>
+          </a:xfrm>
+          <a:prstGeom prst="rect">
+            <a:avLst/>
+          </a:prstGeom>
+        </p:spPr>
+      </p:pic>
+      <p:sp>
+        <p:nvSpPr>
+          <p:cNvPr id="8" name=""/>
+          <p:cNvSpPr/>
+          <p:nvPr/>
+        </p:nvSpPr>
+        <p:spPr>
+          <a:xfrm>
+            <a:off x="5677612" y="3237610"/>
+            <a:ext cx="2723971" cy="191390"/>
+          </a:xfrm>
+          <a:prstGeom prst="rightArrow">
+            <a:avLst>
+              <a:gd name="adj1" fmla="val 50000"/>
+              <a:gd name="adj2" fmla="val 50000"/>
+            </a:avLst>
+          </a:prstGeom>
+          <a:solidFill>
+            <a:schemeClr val="dk1"/>
+          </a:solidFill>
+          <a:ln>
+            <a:solidFill>
+              <a:schemeClr val="dk1"/>
+            </a:solidFill>
+          </a:ln>
+        </p:spPr>
+        <p:style>
+          <a:lnRef idx="2">
+            <a:schemeClr val="accent1">
+              <a:shade val="20000"/>
+            </a:schemeClr>
+          </a:lnRef>
+          <a:fillRef idx="1">
+            <a:schemeClr val="accent1"/>
+          </a:fillRef>
+          <a:effectRef idx="0">
+            <a:schemeClr val="accent1"/>
+          </a:effectRef>
+          <a:fontRef idx="minor">
+            <a:schemeClr val="lt1"/>
+          </a:fontRef>
+        </p:style>
+        <p:txBody>
+          <a:bodyPr anchor="ctr"/>
+          <a:p>
+            <a:pPr algn="ctr">
+              <a:defRPr/>
+            </a:pPr>
+            <a:endParaRPr lang="ko-KR" altLang="en-US"/>
+          </a:p>
+        </p:txBody>
+      </p:sp>
+    </p:spTree>
+  </p:cSld>
+  <p:clrMapOvr>
+    <a:masterClrMapping/>
+  </p:clrMapOvr>
+  <mc:AlternateContent xmlns:mc="http://schemas.openxmlformats.org/markup-compatibility/2006">
+    <mc:Choice xmlns:p14="http://schemas.microsoft.com/office/powerpoint/2010/main" Requires="p14">
+      <p:transition xmlns:mc="http://schemas.openxmlformats.org/markup-compatibility/2006" xmlns:p14="http://schemas.microsoft.com/office/powerpoint/2010/main" mc:Ignorable="p14" p14:dur="500"/>
+    </mc:Choice>
+    <mc:Fallback>
+      <p:transition/>
+    </mc:Fallback>
+  </mc:AlternateContent>
+</p:sld>
+</file>
+
+<file path=ppt/slides/slide22.xml><?xml version="1.0" encoding="utf-8"?>
+<p:sld xmlns:r="http://schemas.openxmlformats.org/officeDocument/2006/relationships" xmlns:c="http://schemas.openxmlformats.org/drawingml/2006/chart" xmlns:a="http://schemas.openxmlformats.org/drawingml/2006/main" xmlns:dgm="http://schemas.openxmlformats.org/drawingml/2006/diagram" xmlns:dsp="http://schemas.microsoft.com/office/drawing/2008/diagram" xmlns:p="http://schemas.openxmlformats.org/presentationml/2006/main">
+  <p:cSld>
+    <p:spTree>
+      <p:nvGrpSpPr>
+        <p:cNvPr id="1" name=""/>
+        <p:cNvGrpSpPr/>
+        <p:nvPr/>
+      </p:nvGrpSpPr>
+      <p:grpSpPr>
+        <a:xfrm>
+          <a:off x="0" y="0"/>
+          <a:ext cx="0" cy="0"/>
+          <a:chOff x="0" y="0"/>
+          <a:chExt cx="0" cy="0"/>
+        </a:xfrm>
+      </p:grpSpPr>
+      <p:sp>
+        <p:nvSpPr>
+          <p:cNvPr id="2" name="Title 1"/>
+          <p:cNvSpPr>
+            <a:spLocks noGrp="1"/>
+          </p:cNvSpPr>
+          <p:nvPr>
+            <p:ph type="title" idx="0"/>
+          </p:nvPr>
+        </p:nvSpPr>
+        <p:spPr/>
+        <p:txBody>
+          <a:bodyPr/>
+          <a:lstStyle/>
+          <a:p>
+            <a:pPr algn="ctr">
+              <a:defRPr/>
+            </a:pPr>
+            <a:r>
+              <a:rPr lang="ko-KR" altLang="en-US"/>
+              <a:t>오버로딩</a:t>
+            </a:r>
+            <a:endParaRPr lang="ko-KR" altLang="en-US"/>
+          </a:p>
+        </p:txBody>
+      </p:sp>
+      <p:sp>
+        <p:nvSpPr>
+          <p:cNvPr id="5" name=""/>
+          <p:cNvSpPr/>
+          <p:nvPr/>
+        </p:nvSpPr>
+        <p:spPr>
+          <a:xfrm>
+            <a:off x="1524890" y="2889610"/>
+            <a:ext cx="3870342" cy="703247"/>
+          </a:xfrm>
+          <a:prstGeom prst="rect">
+            <a:avLst/>
+          </a:prstGeom>
+          <a:ln>
+            <a:solidFill>
+              <a:schemeClr val="dk1"/>
+            </a:solidFill>
+          </a:ln>
+        </p:spPr>
+        <p:style>
+          <a:lnRef idx="2">
+            <a:schemeClr val="accent1">
+              <a:shade val="20000"/>
+            </a:schemeClr>
+          </a:lnRef>
+          <a:fillRef idx="1">
+            <a:schemeClr val="accent1"/>
+          </a:fillRef>
+          <a:effectRef idx="0">
+            <a:schemeClr val="accent1"/>
+          </a:effectRef>
+          <a:fontRef idx="minor">
+            <a:schemeClr val="lt1"/>
+          </a:fontRef>
+        </p:style>
+        <p:txBody>
+          <a:bodyPr anchor="ctr"/>
+          <a:p>
+            <a:pPr marL="0" indent="0" algn="l" defTabSz="232257">
+              <a:buNone/>
+              <a:defRPr/>
+            </a:pPr>
+            <a:r>
+              <a:rPr lang="ko-KR" altLang="en-US" sz="1500" b="1">
+                <a:solidFill>
+                  <a:schemeClr val="dk1"/>
+                </a:solidFill>
+              </a:rPr>
+              <a:t>메서드명</a:t>
+            </a:r>
+            <a:r>
+              <a:rPr lang="ko-KR" altLang="en-US" sz="1500">
+                <a:solidFill>
+                  <a:schemeClr val="dk1"/>
+                </a:solidFill>
+              </a:rPr>
+              <a:t>과 </a:t>
+            </a:r>
+            <a:r>
+              <a:rPr lang="ko-KR" altLang="en-US" sz="1500" b="1">
+                <a:solidFill>
+                  <a:schemeClr val="dk1"/>
+                </a:solidFill>
+              </a:rPr>
+              <a:t>입력매개변수의 자료형</a:t>
+            </a:r>
+            <a:r>
+              <a:rPr lang="ko-KR" altLang="en-US" sz="1500">
+                <a:solidFill>
+                  <a:schemeClr val="dk1"/>
+                </a:solidFill>
+              </a:rPr>
+              <a:t>을 의미</a:t>
+            </a:r>
+            <a:br>
+              <a:rPr lang="ko-KR" altLang="en-US" sz="1500">
+                <a:solidFill>
+                  <a:schemeClr val="dk1"/>
+                </a:solidFill>
+              </a:rPr>
+            </a:br>
+            <a:r>
+              <a:rPr lang="en-US" altLang="ko-KR" sz="1500">
+                <a:solidFill>
+                  <a:schemeClr val="dk1"/>
+                </a:solidFill>
+              </a:rPr>
+              <a:t>⇒</a:t>
+            </a:r>
+            <a:r>
+              <a:rPr lang="ko-KR" altLang="en-US" sz="1500">
+                <a:solidFill>
+                  <a:schemeClr val="dk1"/>
+                </a:solidFill>
+              </a:rPr>
+              <a:t> </a:t>
+            </a:r>
+            <a:r>
+              <a:rPr lang="ko-KR" altLang="en-US" sz="1200">
+                <a:solidFill>
+                  <a:schemeClr val="dk1"/>
+                </a:solidFill>
+              </a:rPr>
+              <a:t>메서드를 구분하는 기준 역활을 한다</a:t>
+            </a:r>
+            <a:r>
+              <a:rPr lang="en-US" altLang="ko-KR" sz="1200">
+                <a:solidFill>
+                  <a:schemeClr val="dk1"/>
+                </a:solidFill>
+              </a:rPr>
+              <a:t>.</a:t>
+            </a:r>
+            <a:endParaRPr lang="en-US" altLang="ko-KR" sz="1200">
+              <a:solidFill>
+                <a:schemeClr val="dk1"/>
+              </a:solidFill>
+            </a:endParaRPr>
+          </a:p>
+        </p:txBody>
+      </p:sp>
+      <p:grpSp>
+        <p:nvGrpSpPr>
+          <p:cNvPr id="7" name=""/>
+          <p:cNvGrpSpPr/>
+          <p:nvPr/>
+        </p:nvGrpSpPr>
+        <p:grpSpPr>
+          <a:xfrm rot="0">
+            <a:off x="234119" y="2729376"/>
+            <a:ext cx="1023714" cy="1023714"/>
+            <a:chOff x="234119" y="2178287"/>
+            <a:chExt cx="1023714" cy="1023714"/>
+          </a:xfrm>
+        </p:grpSpPr>
+        <p:sp>
+          <p:nvSpPr>
+            <p:cNvPr id="4" name=""/>
+            <p:cNvSpPr/>
+            <p:nvPr/>
+          </p:nvSpPr>
+          <p:spPr>
+            <a:xfrm>
+              <a:off x="234119" y="2178287"/>
+              <a:ext cx="1023714" cy="1023714"/>
+            </a:xfrm>
+            <a:prstGeom prst="ellipse">
+              <a:avLst/>
+            </a:prstGeom>
+            <a:ln>
+              <a:solidFill>
+                <a:schemeClr val="dk1"/>
+              </a:solidFill>
+            </a:ln>
+          </p:spPr>
+          <p:style>
+            <a:lnRef idx="2">
+              <a:schemeClr val="accent1">
+                <a:shade val="20000"/>
+              </a:schemeClr>
+            </a:lnRef>
+            <a:fillRef idx="1">
+              <a:schemeClr val="accent1"/>
+            </a:fillRef>
+            <a:effectRef idx="0">
+              <a:schemeClr val="accent1"/>
+            </a:effectRef>
+            <a:fontRef idx="minor">
+              <a:schemeClr val="lt1"/>
+            </a:fontRef>
+          </p:style>
+          <p:txBody>
+            <a:bodyPr anchor="ctr"/>
+            <a:p>
+              <a:pPr algn="ctr">
+                <a:defRPr/>
+              </a:pPr>
+              <a:endParaRPr lang="ko-KR" altLang="en-US" sz="1000">
+                <a:solidFill>
+                  <a:schemeClr val="dk1"/>
+                </a:solidFill>
+              </a:endParaRPr>
+            </a:p>
+          </p:txBody>
+        </p:sp>
+        <p:sp>
+          <p:nvSpPr>
+            <p:cNvPr id="6" name=""/>
+            <p:cNvSpPr txBox="1"/>
+            <p:nvPr/>
+          </p:nvSpPr>
+          <p:spPr>
+            <a:xfrm>
+              <a:off x="269149" y="2427514"/>
+              <a:ext cx="982980" cy="545102"/>
+            </a:xfrm>
+            <a:prstGeom prst="rect">
+              <a:avLst/>
+            </a:prstGeom>
+            <a:ln>
+              <a:noFill/>
+            </a:ln>
+          </p:spPr>
+          <p:txBody>
+            <a:bodyPr wrap="square">
+              <a:spAutoFit/>
+            </a:bodyPr>
+            <a:p>
+              <a:pPr algn="ctr">
+                <a:defRPr/>
+              </a:pPr>
+              <a:r>
+                <a:rPr lang="ko-KR" altLang="en-US" sz="1500">
+                  <a:solidFill>
+                    <a:schemeClr val="dk1"/>
+                  </a:solidFill>
+                </a:rPr>
+                <a:t>메서드의</a:t>
+              </a:r>
+              <a:br>
+                <a:rPr lang="ko-KR" altLang="en-US" sz="1500">
+                  <a:solidFill>
+                    <a:schemeClr val="dk1"/>
+                  </a:solidFill>
+                </a:rPr>
+              </a:br>
+              <a:r>
+                <a:rPr lang="ko-KR" altLang="en-US" sz="1500">
+                  <a:solidFill>
+                    <a:schemeClr val="dk1"/>
+                  </a:solidFill>
+                </a:rPr>
+                <a:t>시그니처</a:t>
+              </a:r>
+              <a:endParaRPr lang="ko-KR" altLang="en-US" sz="1500">
+                <a:solidFill>
+                  <a:schemeClr val="dk1"/>
+                </a:solidFill>
+              </a:endParaRPr>
+            </a:p>
+          </p:txBody>
+        </p:sp>
+      </p:grpSp>
+      <p:sp>
+        <p:nvSpPr>
+          <p:cNvPr id="8" name=""/>
+          <p:cNvSpPr/>
+          <p:nvPr/>
+        </p:nvSpPr>
+        <p:spPr>
+          <a:xfrm>
+            <a:off x="5539468" y="2711903"/>
+            <a:ext cx="1224642" cy="1070882"/>
+          </a:xfrm>
+          <a:prstGeom prst="rightArrow">
+            <a:avLst>
+              <a:gd name="adj1" fmla="val 50000"/>
+              <a:gd name="adj2" fmla="val 50000"/>
+            </a:avLst>
+          </a:prstGeom>
+          <a:ln>
+            <a:noFill/>
+          </a:ln>
+        </p:spPr>
+        <p:style>
+          <a:lnRef idx="2">
+            <a:schemeClr val="accent1">
+              <a:shade val="20000"/>
+            </a:schemeClr>
+          </a:lnRef>
+          <a:fillRef idx="1">
+            <a:schemeClr val="accent1"/>
+          </a:fillRef>
+          <a:effectRef idx="0">
+            <a:schemeClr val="accent1"/>
+          </a:effectRef>
+          <a:fontRef idx="minor">
+            <a:schemeClr val="lt1"/>
+          </a:fontRef>
+        </p:style>
+        <p:txBody>
+          <a:bodyPr anchor="ctr"/>
+          <a:p>
+            <a:pPr algn="ctr">
+              <a:defRPr/>
+            </a:pPr>
+            <a:endParaRPr lang="ko-KR" altLang="en-US"/>
+          </a:p>
+        </p:txBody>
+      </p:sp>
+      <p:sp>
+        <p:nvSpPr>
+          <p:cNvPr id="9" name=""/>
+          <p:cNvSpPr/>
+          <p:nvPr/>
+        </p:nvSpPr>
+        <p:spPr>
+          <a:xfrm>
+            <a:off x="6844394" y="2773135"/>
+            <a:ext cx="4374696" cy="952500"/>
+          </a:xfrm>
+          <a:prstGeom prst="round2DiagRect">
+            <a:avLst>
+              <a:gd name="adj1" fmla="val 16667"/>
+              <a:gd name="adj2" fmla="val 0"/>
+            </a:avLst>
+          </a:prstGeom>
+          <a:ln>
+            <a:solidFill>
+              <a:schemeClr val="dk1"/>
+            </a:solidFill>
+          </a:ln>
+        </p:spPr>
+        <p:style>
+          <a:lnRef idx="2">
+            <a:schemeClr val="accent1">
+              <a:shade val="20000"/>
+            </a:schemeClr>
+          </a:lnRef>
+          <a:fillRef idx="1">
+            <a:schemeClr val="accent1"/>
+          </a:fillRef>
+          <a:effectRef idx="0">
+            <a:schemeClr val="accent1"/>
+          </a:effectRef>
+          <a:fontRef idx="minor">
+            <a:schemeClr val="lt1"/>
+          </a:fontRef>
+        </p:style>
+        <p:txBody>
+          <a:bodyPr anchor="ctr"/>
+          <a:p>
+            <a:pPr>
+              <a:defRPr/>
+            </a:pPr>
+            <a:r>
+              <a:rPr lang="ko-KR" altLang="en-US" sz="1500" u="sng">
+                <a:solidFill>
+                  <a:schemeClr val="dk1"/>
+                </a:solidFill>
+              </a:rPr>
+              <a:t>자바 가상 머신은 메서드의 시그니처가 다르다면</a:t>
+            </a:r>
+            <a:endParaRPr lang="ko-KR" altLang="en-US" sz="1500" u="sng">
+              <a:solidFill>
+                <a:schemeClr val="dk1"/>
+              </a:solidFill>
+            </a:endParaRPr>
+          </a:p>
+          <a:p>
+            <a:pPr>
+              <a:defRPr/>
+            </a:pPr>
+            <a:r>
+              <a:rPr lang="ko-KR" altLang="en-US" sz="1500" u="sng">
+                <a:solidFill>
+                  <a:schemeClr val="dk1"/>
+                </a:solidFill>
+              </a:rPr>
+              <a:t>메서드명이 동일해도 다른 메서드로 인식한다</a:t>
+            </a:r>
+            <a:r>
+              <a:rPr lang="en-US" altLang="ko-KR" sz="1500" u="sng">
+                <a:solidFill>
+                  <a:schemeClr val="dk1"/>
+                </a:solidFill>
+              </a:rPr>
+              <a:t>.</a:t>
+            </a:r>
+            <a:endParaRPr lang="en-US" altLang="ko-KR" sz="1500" u="sng">
+              <a:solidFill>
+                <a:schemeClr val="dk1"/>
+              </a:solidFill>
+            </a:endParaRPr>
+          </a:p>
+        </p:txBody>
+      </p:sp>
+      <p:sp>
+        <p:nvSpPr>
+          <p:cNvPr id="10" name=""/>
+          <p:cNvSpPr txBox="1"/>
+          <p:nvPr/>
+        </p:nvSpPr>
+        <p:spPr>
+          <a:xfrm>
+            <a:off x="231317" y="2215243"/>
+            <a:ext cx="8163201" cy="361406"/>
+          </a:xfrm>
+          <a:prstGeom prst="rect">
+            <a:avLst/>
+          </a:prstGeom>
+        </p:spPr>
+        <p:txBody>
+          <a:bodyPr wrap="square">
+            <a:spAutoFit/>
+          </a:bodyPr>
+          <a:p>
+            <a:pPr>
+              <a:defRPr/>
+            </a:pPr>
+            <a:r>
+              <a:rPr lang="ko-KR" altLang="en-US"/>
+              <a:t>메서드의 오버로딩을 이해하기 위해 먼저 메서드의 시그니처에 대해 알아보자</a:t>
+            </a:r>
+            <a:r>
+              <a:rPr lang="en-US" altLang="ko-KR"/>
+              <a:t>.</a:t>
+            </a:r>
+            <a:endParaRPr lang="en-US" altLang="ko-KR"/>
+          </a:p>
+        </p:txBody>
+      </p:sp>
+      <p:sp>
+        <p:nvSpPr>
+          <p:cNvPr id="11" name=""/>
+          <p:cNvSpPr txBox="1"/>
+          <p:nvPr/>
+        </p:nvSpPr>
+        <p:spPr>
+          <a:xfrm>
+            <a:off x="246832" y="3936546"/>
+            <a:ext cx="11712757" cy="643074"/>
+          </a:xfrm>
+          <a:prstGeom prst="rect">
+            <a:avLst/>
+          </a:prstGeom>
+          <a:solidFill>
+            <a:schemeClr val="accent1"/>
+          </a:solidFill>
+          <a:ln>
+            <a:solidFill>
+              <a:schemeClr val="dk1"/>
+            </a:solidFill>
+          </a:ln>
+        </p:spPr>
+        <p:txBody>
+          <a:bodyPr wrap="none">
+            <a:spAutoFit/>
+          </a:bodyPr>
+          <a:p>
+            <a:pPr>
+              <a:defRPr/>
+            </a:pPr>
+            <a:r>
+              <a:rPr lang="ko-KR" altLang="en-US" b="1">
+                <a:solidFill>
+                  <a:schemeClr val="lt1"/>
+                </a:solidFill>
+              </a:rPr>
+              <a:t>메서드 오버라이딩은 이러한 특징을 이용한 것으로</a:t>
+            </a:r>
+            <a:r>
+              <a:rPr lang="en-US" altLang="ko-KR" b="1">
+                <a:solidFill>
+                  <a:schemeClr val="lt1"/>
+                </a:solidFill>
+              </a:rPr>
+              <a:t>,</a:t>
+            </a:r>
+            <a:endParaRPr lang="ko-KR" altLang="en-US" b="1">
+              <a:solidFill>
+                <a:schemeClr val="lt1"/>
+              </a:solidFill>
+            </a:endParaRPr>
+          </a:p>
+          <a:p>
+            <a:pPr>
+              <a:defRPr/>
+            </a:pPr>
+            <a:r>
+              <a:rPr lang="en-US" altLang="ko-KR" b="1">
+                <a:solidFill>
+                  <a:schemeClr val="lt1"/>
+                </a:solidFill>
+              </a:rPr>
+              <a:t>[</a:t>
+            </a:r>
+            <a:r>
+              <a:rPr lang="ko-KR" altLang="en-US" b="1">
+                <a:solidFill>
+                  <a:schemeClr val="dk1"/>
+                </a:solidFill>
+              </a:rPr>
+              <a:t>입력매개변수의 개수나 자료형이 다른 여러개의 동일한 이름을 지닌 메서드를 같은 공간에 정의 하는 것</a:t>
+            </a:r>
+            <a:r>
+              <a:rPr lang="en-US" altLang="ko-KR" b="1">
+                <a:solidFill>
+                  <a:schemeClr val="lt1"/>
+                </a:solidFill>
+              </a:rPr>
+              <a:t>]</a:t>
+            </a:r>
+            <a:r>
+              <a:rPr lang="ko-KR" altLang="en-US" b="1">
+                <a:solidFill>
+                  <a:schemeClr val="lt1"/>
+                </a:solidFill>
+              </a:rPr>
+              <a:t> 을 의미</a:t>
+            </a:r>
+            <a:endParaRPr lang="ko-KR" altLang="en-US" b="1">
+              <a:solidFill>
+                <a:schemeClr val="lt1"/>
+              </a:solidFill>
+            </a:endParaRPr>
+          </a:p>
+        </p:txBody>
+      </p:sp>
+      <p:pic>
+        <p:nvPicPr>
+          <p:cNvPr id="12" name=""/>
+          <p:cNvPicPr>
+            <a:picLocks noChangeAspect="1"/>
+          </p:cNvPicPr>
+          <p:nvPr/>
+        </p:nvPicPr>
+        <p:blipFill rotWithShape="1">
+          <a:blip r:embed="rId2"/>
+          <a:stretch>
+            <a:fillRect/>
+          </a:stretch>
+        </p:blipFill>
+        <p:spPr>
+          <a:xfrm>
+            <a:off x="2442191" y="4663776"/>
+            <a:ext cx="4143953" cy="1047896"/>
+          </a:xfrm>
+          <a:prstGeom prst="rect">
+            <a:avLst/>
+          </a:prstGeom>
+        </p:spPr>
+      </p:pic>
+      <p:pic>
+        <p:nvPicPr>
+          <p:cNvPr id="13" name=""/>
+          <p:cNvPicPr>
+            <a:picLocks noChangeAspect="1"/>
+          </p:cNvPicPr>
+          <p:nvPr/>
+        </p:nvPicPr>
+        <p:blipFill rotWithShape="1">
+          <a:blip r:embed="rId3"/>
+          <a:stretch>
+            <a:fillRect/>
+          </a:stretch>
+        </p:blipFill>
+        <p:spPr>
+          <a:xfrm>
+            <a:off x="2442874" y="5731709"/>
+            <a:ext cx="4147125" cy="1023398"/>
+          </a:xfrm>
+          <a:prstGeom prst="rect">
+            <a:avLst/>
+          </a:prstGeom>
+        </p:spPr>
+      </p:pic>
+      <p:sp>
+        <p:nvSpPr>
+          <p:cNvPr id="14" name=""/>
+          <p:cNvSpPr/>
+          <p:nvPr/>
+        </p:nvSpPr>
+        <p:spPr>
+          <a:xfrm>
+            <a:off x="288016" y="4903786"/>
+            <a:ext cx="1825624" cy="1793875"/>
+          </a:xfrm>
+          <a:prstGeom prst="rightArrow">
+            <a:avLst>
+              <a:gd name="adj1" fmla="val 50000"/>
+              <a:gd name="adj2" fmla="val 50000"/>
+            </a:avLst>
+          </a:prstGeom>
+          <a:ln>
+            <a:noFill/>
+          </a:ln>
+        </p:spPr>
+        <p:style>
+          <a:lnRef idx="2">
+            <a:schemeClr val="accent1">
+              <a:shade val="20000"/>
+            </a:schemeClr>
+          </a:lnRef>
+          <a:fillRef idx="1">
+            <a:schemeClr val="accent1"/>
+          </a:fillRef>
+          <a:effectRef idx="0">
+            <a:schemeClr val="accent1"/>
+          </a:effectRef>
+          <a:fontRef idx="minor">
+            <a:schemeClr val="lt1"/>
+          </a:fontRef>
+        </p:style>
+        <p:txBody>
+          <a:bodyPr anchor="ctr"/>
+          <a:p>
+            <a:pPr algn="ctr">
+              <a:defRPr/>
+            </a:pPr>
+            <a:r>
+              <a:rPr lang="ko-KR" altLang="en-US"/>
+              <a:t>예제 </a:t>
+            </a:r>
+            <a:r>
+              <a:rPr lang="en-US" altLang="ko-KR"/>
+              <a:t>:)</a:t>
+            </a:r>
+            <a:br>
+              <a:rPr lang="ko-KR" altLang="en-US"/>
+            </a:br>
+            <a:r>
+              <a:rPr lang="ko-KR" altLang="en-US" sz="1200">
+                <a:solidFill>
+                  <a:schemeClr val="dk1"/>
+                </a:solidFill>
+              </a:rPr>
+              <a:t>오버로딩</a:t>
+            </a:r>
+            <a:endParaRPr lang="ko-KR" altLang="en-US" sz="1200">
+              <a:solidFill>
+                <a:schemeClr val="dk1"/>
+              </a:solidFill>
+            </a:endParaRPr>
+          </a:p>
+        </p:txBody>
+      </p:sp>
+      <p:sp>
+        <p:nvSpPr>
+          <p:cNvPr id="15" name=""/>
+          <p:cNvSpPr/>
+          <p:nvPr/>
+        </p:nvSpPr>
+        <p:spPr>
+          <a:xfrm>
+            <a:off x="6687230" y="4905374"/>
+            <a:ext cx="2222498" cy="1793875"/>
+          </a:xfrm>
+          <a:prstGeom prst="rightArrow">
+            <a:avLst>
+              <a:gd name="adj1" fmla="val 50000"/>
+              <a:gd name="adj2" fmla="val 50000"/>
+            </a:avLst>
+          </a:prstGeom>
+          <a:ln>
+            <a:noFill/>
+          </a:ln>
+        </p:spPr>
+        <p:style>
+          <a:lnRef idx="2">
+            <a:schemeClr val="accent1">
+              <a:shade val="20000"/>
+            </a:schemeClr>
+          </a:lnRef>
+          <a:fillRef idx="1">
+            <a:schemeClr val="accent1"/>
+          </a:fillRef>
+          <a:effectRef idx="0">
+            <a:schemeClr val="accent1"/>
+          </a:effectRef>
+          <a:fontRef idx="minor">
+            <a:schemeClr val="lt1"/>
+          </a:fontRef>
+        </p:style>
+        <p:txBody>
+          <a:bodyPr anchor="ctr"/>
+          <a:lstStyle/>
+          <a:p>
+            <a:pPr algn="ctr">
+              <a:defRPr/>
+            </a:pPr>
+            <a:r>
+              <a:rPr lang="ko-KR" altLang="en-US"/>
+              <a:t>예제 </a:t>
+            </a:r>
+            <a:r>
+              <a:rPr lang="en-US" altLang="ko-KR"/>
+              <a:t>:)</a:t>
+            </a:r>
+            <a:br>
+              <a:rPr lang="ko-KR" altLang="en-US"/>
+            </a:br>
+            <a:r>
+              <a:rPr lang="ko-KR" altLang="en-US" sz="1200">
+                <a:solidFill>
+                  <a:schemeClr val="dk1"/>
+                </a:solidFill>
+              </a:rPr>
+              <a:t>동일한 시그니처이므로 오버로딩 불가능</a:t>
+            </a:r>
+            <a:endParaRPr lang="ko-KR" altLang="en-US" sz="1200">
+              <a:solidFill>
+                <a:schemeClr val="dk1"/>
+              </a:solidFill>
+            </a:endParaRPr>
+          </a:p>
+        </p:txBody>
+      </p:sp>
+      <p:pic>
+        <p:nvPicPr>
+          <p:cNvPr id="16" name=""/>
+          <p:cNvPicPr>
+            <a:picLocks noChangeAspect="1"/>
+          </p:cNvPicPr>
+          <p:nvPr/>
+        </p:nvPicPr>
+        <p:blipFill rotWithShape="1">
+          <a:blip r:embed="rId4"/>
+          <a:stretch>
+            <a:fillRect/>
+          </a:stretch>
+        </p:blipFill>
+        <p:spPr>
+          <a:xfrm>
+            <a:off x="9042156" y="4658346"/>
+            <a:ext cx="2922283" cy="2199653"/>
+          </a:xfrm>
+          <a:prstGeom prst="rect">
+            <a:avLst/>
+          </a:prstGeom>
+        </p:spPr>
+      </p:pic>
     </p:spTree>
   </p:cSld>
   <p:clrMapOvr>
